--- a/03 - Docs/01 - Project Manager/11 - PPTs/5425-ApresentacaoFinal-BrunoJoaoPasseira.pptx
+++ b/03 - Docs/01 - Project Manager/11 - PPTs/5425-ApresentacaoFinal-BrunoJoaoPasseira.pptx
@@ -5,7 +5,7 @@
     <p:sldMasterId id="2147483707" r:id="rId1"/>
   </p:sldMasterIdLst>
   <p:notesMasterIdLst>
-    <p:notesMasterId r:id="rId10"/>
+    <p:notesMasterId r:id="rId12"/>
   </p:notesMasterIdLst>
   <p:sldIdLst>
     <p:sldId id="256" r:id="rId2"/>
@@ -16,6 +16,8 @@
     <p:sldId id="261" r:id="rId7"/>
     <p:sldId id="262" r:id="rId8"/>
     <p:sldId id="263" r:id="rId9"/>
+    <p:sldId id="264" r:id="rId10"/>
+    <p:sldId id="265" r:id="rId11"/>
   </p:sldIdLst>
   <p:sldSz cx="12192000" cy="6858000"/>
   <p:notesSz cx="6858000" cy="9144000"/>
@@ -204,7 +206,7 @@
           <a:p>
             <a:fld id="{D7B64C4F-324A-4982-94AC-AE9956557606}" type="datetimeFigureOut">
               <a:rPr lang="pt-PT" smtClean="0"/>
-              <a:t>16/10/2018</a:t>
+              <a:t>25/10/2018</a:t>
             </a:fld>
             <a:endParaRPr lang="pt-PT" dirty="0"/>
           </a:p>
@@ -362,7 +364,7 @@
           <a:p>
             <a:fld id="{0466277E-5F40-4A85-8708-2D4643FF7332}" type="slidenum">
               <a:rPr lang="pt-PT" smtClean="0"/>
-              <a:t>‹#›</a:t>
+              <a:t>‹nº›</a:t>
             </a:fld>
             <a:endParaRPr lang="pt-PT" dirty="0"/>
           </a:p>
@@ -613,7 +615,7 @@
           <a:p>
             <a:fld id="{99DC0CBE-9660-45E0-9AC8-94D9D5004E70}" type="datetime1">
               <a:rPr lang="pt-PT" smtClean="0"/>
-              <a:t>16/10/2018</a:t>
+              <a:t>25/10/2018</a:t>
             </a:fld>
             <a:endParaRPr lang="pt-PT" dirty="0"/>
           </a:p>
@@ -655,7 +657,7 @@
           <a:p>
             <a:fld id="{0A841FAE-D82D-4024-9798-6BF498F22684}" type="slidenum">
               <a:rPr lang="pt-PT" smtClean="0"/>
-              <a:t>‹#›</a:t>
+              <a:t>‹nº›</a:t>
             </a:fld>
             <a:endParaRPr lang="pt-PT" dirty="0"/>
           </a:p>
@@ -783,7 +785,7 @@
           <a:p>
             <a:fld id="{CE106AF8-8308-488D-841E-77D2D6DE1AB3}" type="datetime1">
               <a:rPr lang="pt-PT" smtClean="0"/>
-              <a:t>16/10/2018</a:t>
+              <a:t>25/10/2018</a:t>
             </a:fld>
             <a:endParaRPr lang="pt-PT" dirty="0"/>
           </a:p>
@@ -825,7 +827,7 @@
           <a:p>
             <a:fld id="{0A841FAE-D82D-4024-9798-6BF498F22684}" type="slidenum">
               <a:rPr lang="pt-PT" smtClean="0"/>
-              <a:t>‹#›</a:t>
+              <a:t>‹nº›</a:t>
             </a:fld>
             <a:endParaRPr lang="pt-PT" dirty="0"/>
           </a:p>
@@ -963,7 +965,7 @@
           <a:p>
             <a:fld id="{6FA79DA2-4F16-448E-B24F-F88BCB80D202}" type="datetime1">
               <a:rPr lang="pt-PT" smtClean="0"/>
-              <a:t>16/10/2018</a:t>
+              <a:t>25/10/2018</a:t>
             </a:fld>
             <a:endParaRPr lang="pt-PT" dirty="0"/>
           </a:p>
@@ -1005,7 +1007,7 @@
           <a:p>
             <a:fld id="{0A841FAE-D82D-4024-9798-6BF498F22684}" type="slidenum">
               <a:rPr lang="pt-PT" smtClean="0"/>
-              <a:t>‹#›</a:t>
+              <a:t>‹nº›</a:t>
             </a:fld>
             <a:endParaRPr lang="pt-PT" dirty="0"/>
           </a:p>
@@ -1133,7 +1135,7 @@
           <a:p>
             <a:fld id="{4827E142-971D-4D2D-99F0-1DE707857DD0}" type="datetime1">
               <a:rPr lang="pt-PT" smtClean="0"/>
-              <a:t>16/10/2018</a:t>
+              <a:t>25/10/2018</a:t>
             </a:fld>
             <a:endParaRPr lang="pt-PT" dirty="0"/>
           </a:p>
@@ -1175,7 +1177,7 @@
           <a:p>
             <a:fld id="{0A841FAE-D82D-4024-9798-6BF498F22684}" type="slidenum">
               <a:rPr lang="pt-PT" smtClean="0"/>
-              <a:t>‹#›</a:t>
+              <a:t>‹nº›</a:t>
             </a:fld>
             <a:endParaRPr lang="pt-PT" dirty="0"/>
           </a:p>
@@ -1384,7 +1386,7 @@
           <a:p>
             <a:fld id="{B4FC198C-FF38-4CAB-A87F-857D864E4022}" type="datetime1">
               <a:rPr lang="pt-PT" smtClean="0"/>
-              <a:t>16/10/2018</a:t>
+              <a:t>25/10/2018</a:t>
             </a:fld>
             <a:endParaRPr lang="pt-PT" dirty="0"/>
           </a:p>
@@ -1426,7 +1428,7 @@
           <a:p>
             <a:fld id="{0A841FAE-D82D-4024-9798-6BF498F22684}" type="slidenum">
               <a:rPr lang="pt-PT" smtClean="0"/>
-              <a:t>‹#›</a:t>
+              <a:t>‹nº›</a:t>
             </a:fld>
             <a:endParaRPr lang="pt-PT" dirty="0"/>
           </a:p>
@@ -1616,7 +1618,7 @@
           <a:p>
             <a:fld id="{139CC831-A206-4156-ABBA-4D7D4D1EB4A9}" type="datetime1">
               <a:rPr lang="pt-PT" smtClean="0"/>
-              <a:t>16/10/2018</a:t>
+              <a:t>25/10/2018</a:t>
             </a:fld>
             <a:endParaRPr lang="pt-PT" dirty="0"/>
           </a:p>
@@ -1658,7 +1660,7 @@
           <a:p>
             <a:fld id="{0A841FAE-D82D-4024-9798-6BF498F22684}" type="slidenum">
               <a:rPr lang="pt-PT" smtClean="0"/>
-              <a:t>‹#›</a:t>
+              <a:t>‹nº›</a:t>
             </a:fld>
             <a:endParaRPr lang="pt-PT" dirty="0"/>
           </a:p>
@@ -1963,7 +1965,7 @@
           <a:p>
             <a:fld id="{D7CD316C-02BA-4B2B-AE1C-BFE2F87B650E}" type="datetime1">
               <a:rPr lang="pt-PT" smtClean="0"/>
-              <a:t>16/10/2018</a:t>
+              <a:t>25/10/2018</a:t>
             </a:fld>
             <a:endParaRPr lang="pt-PT" dirty="0"/>
           </a:p>
@@ -2005,7 +2007,7 @@
           <a:p>
             <a:fld id="{0A841FAE-D82D-4024-9798-6BF498F22684}" type="slidenum">
               <a:rPr lang="pt-PT" smtClean="0"/>
-              <a:t>‹#›</a:t>
+              <a:t>‹nº›</a:t>
             </a:fld>
             <a:endParaRPr lang="pt-PT" dirty="0"/>
           </a:p>
@@ -2081,7 +2083,7 @@
           <a:p>
             <a:fld id="{2FDD42CA-CE0A-4347-B6AE-870C0DC611E7}" type="datetime1">
               <a:rPr lang="pt-PT" smtClean="0"/>
-              <a:t>16/10/2018</a:t>
+              <a:t>25/10/2018</a:t>
             </a:fld>
             <a:endParaRPr lang="pt-PT" dirty="0"/>
           </a:p>
@@ -2123,7 +2125,7 @@
           <a:p>
             <a:fld id="{0A841FAE-D82D-4024-9798-6BF498F22684}" type="slidenum">
               <a:rPr lang="pt-PT" smtClean="0"/>
-              <a:t>‹#›</a:t>
+              <a:t>‹nº›</a:t>
             </a:fld>
             <a:endParaRPr lang="pt-PT" dirty="0"/>
           </a:p>
@@ -2199,7 +2201,7 @@
           <a:p>
             <a:fld id="{7A8A9DF7-D7B3-45E3-A219-C79C1A0767F3}" type="datetime1">
               <a:rPr lang="pt-PT" smtClean="0"/>
-              <a:t>16/10/2018</a:t>
+              <a:t>25/10/2018</a:t>
             </a:fld>
             <a:endParaRPr lang="pt-PT" dirty="0"/>
           </a:p>
@@ -2241,7 +2243,7 @@
           <a:p>
             <a:fld id="{0A841FAE-D82D-4024-9798-6BF498F22684}" type="slidenum">
               <a:rPr lang="pt-PT" smtClean="0"/>
-              <a:t>‹#›</a:t>
+              <a:t>‹nº›</a:t>
             </a:fld>
             <a:endParaRPr lang="pt-PT" dirty="0"/>
           </a:p>
@@ -2483,7 +2485,7 @@
           <a:p>
             <a:fld id="{A7C4C64E-965F-4B1C-A4E1-6E1896C3B1BE}" type="datetime1">
               <a:rPr lang="pt-PT" smtClean="0"/>
-              <a:t>16/10/2018</a:t>
+              <a:t>25/10/2018</a:t>
             </a:fld>
             <a:endParaRPr lang="pt-PT" dirty="0"/>
           </a:p>
@@ -2525,7 +2527,7 @@
           <a:p>
             <a:fld id="{0A841FAE-D82D-4024-9798-6BF498F22684}" type="slidenum">
               <a:rPr lang="pt-PT" smtClean="0"/>
-              <a:t>‹#›</a:t>
+              <a:t>‹nº›</a:t>
             </a:fld>
             <a:endParaRPr lang="pt-PT" dirty="0"/>
           </a:p>
@@ -2747,7 +2749,7 @@
           <a:p>
             <a:fld id="{062F934F-9B5B-46B2-BB65-8A64F7272566}" type="datetime1">
               <a:rPr lang="pt-PT" smtClean="0"/>
-              <a:t>16/10/2018</a:t>
+              <a:t>25/10/2018</a:t>
             </a:fld>
             <a:endParaRPr lang="pt-PT" dirty="0"/>
           </a:p>
@@ -2789,7 +2791,7 @@
           <a:p>
             <a:fld id="{0A841FAE-D82D-4024-9798-6BF498F22684}" type="slidenum">
               <a:rPr lang="pt-PT" smtClean="0"/>
-              <a:t>‹#›</a:t>
+              <a:t>‹nº›</a:t>
             </a:fld>
             <a:endParaRPr lang="pt-PT" dirty="0"/>
           </a:p>
@@ -2961,7 +2963,7 @@
           <a:p>
             <a:fld id="{B2E8085C-71E8-4D38-9CF6-AEBDB4F1CDC0}" type="datetime1">
               <a:rPr lang="pt-PT" smtClean="0"/>
-              <a:t>16/10/2018</a:t>
+              <a:t>25/10/2018</a:t>
             </a:fld>
             <a:endParaRPr lang="pt-PT" dirty="0"/>
           </a:p>
@@ -3040,7 +3042,7 @@
           <a:p>
             <a:fld id="{0A841FAE-D82D-4024-9798-6BF498F22684}" type="slidenum">
               <a:rPr lang="pt-PT" smtClean="0"/>
-              <a:t>‹#›</a:t>
+              <a:t>‹nº›</a:t>
             </a:fld>
             <a:endParaRPr lang="pt-PT" dirty="0"/>
           </a:p>
@@ -3506,17 +3508,7 @@
                   </a:schemeClr>
                 </a:solidFill>
               </a:rPr>
-              <a:t>Projecto Final </a:t>
-            </a:r>
-            <a:r>
-              <a:rPr lang="en-US" sz="2000" dirty="0" smtClean="0">
-                <a:solidFill>
-                  <a:schemeClr val="accent1">
-                    <a:lumMod val="50000"/>
-                  </a:schemeClr>
-                </a:solidFill>
-              </a:rPr>
-              <a:t>SPAD</a:t>
+              <a:t>Projecto Final SPAD</a:t>
             </a:r>
             <a:endParaRPr lang="pt-PT" sz="2000" dirty="0">
               <a:solidFill>
@@ -3552,7 +3544,7 @@
           <a:p>
             <a:pPr algn="ctr"/>
             <a:r>
-              <a:rPr lang="en-US" sz="11500" dirty="0" smtClean="0">
+              <a:rPr lang="en-US" sz="11500" dirty="0">
                 <a:ln w="0"/>
                 <a:solidFill>
                   <a:schemeClr val="accent1"/>
@@ -3607,7 +3599,7 @@
           <a:p>
             <a:pPr algn="ctr"/>
             <a:r>
-              <a:rPr lang="pt-PT" sz="3200" dirty="0" smtClean="0">
+              <a:rPr lang="pt-PT" sz="3200" dirty="0">
                 <a:ln w="0"/>
                 <a:solidFill>
                   <a:schemeClr val="accent1"/>
@@ -3622,19 +3614,6 @@
               </a:rPr>
               <a:t>Sistema de Prognósticos de Apostas Desportivas</a:t>
             </a:r>
-            <a:endParaRPr lang="pt-PT" sz="3200" dirty="0">
-              <a:ln w="0"/>
-              <a:solidFill>
-                <a:schemeClr val="accent1"/>
-              </a:solidFill>
-              <a:effectLst>
-                <a:outerShdw blurRad="38100" dist="25400" dir="5400000" algn="ctr" rotWithShape="0">
-                  <a:srgbClr val="6E747A">
-                    <a:alpha val="43000"/>
-                  </a:srgbClr>
-                </a:outerShdw>
-              </a:effectLst>
-            </a:endParaRPr>
           </a:p>
         </p:txBody>
       </p:sp>
@@ -3642,6 +3621,289 @@
     <p:extLst>
       <p:ext uri="{BB962C8B-B14F-4D97-AF65-F5344CB8AC3E}">
         <p14:creationId xmlns:p14="http://schemas.microsoft.com/office/powerpoint/2010/main" val="282732392"/>
+      </p:ext>
+    </p:extLst>
+  </p:cSld>
+  <p:clrMapOvr>
+    <a:masterClrMapping/>
+  </p:clrMapOvr>
+</p:sld>
+</file>
+
+<file path=ppt/slides/slide10.xml><?xml version="1.0" encoding="utf-8"?>
+<p:sld xmlns:a="http://schemas.openxmlformats.org/drawingml/2006/main" xmlns:r="http://schemas.openxmlformats.org/officeDocument/2006/relationships" xmlns:p="http://schemas.openxmlformats.org/presentationml/2006/main">
+  <p:cSld>
+    <p:spTree>
+      <p:nvGrpSpPr>
+        <p:cNvPr id="1" name=""/>
+        <p:cNvGrpSpPr/>
+        <p:nvPr/>
+      </p:nvGrpSpPr>
+      <p:grpSpPr>
+        <a:xfrm>
+          <a:off x="0" y="0"/>
+          <a:ext cx="0" cy="0"/>
+          <a:chOff x="0" y="0"/>
+          <a:chExt cx="0" cy="0"/>
+        </a:xfrm>
+      </p:grpSpPr>
+      <p:pic>
+        <p:nvPicPr>
+          <p:cNvPr id="5" name="Imagem 4">
+            <a:extLst>
+              <a:ext uri="{FF2B5EF4-FFF2-40B4-BE49-F238E27FC236}">
+                <a16:creationId xmlns:a16="http://schemas.microsoft.com/office/drawing/2014/main" id="{003B6523-7228-4E24-BF75-D68FF276CDDE}"/>
+              </a:ext>
+            </a:extLst>
+          </p:cNvPr>
+          <p:cNvPicPr>
+            <a:picLocks noChangeAspect="1"/>
+          </p:cNvPicPr>
+          <p:nvPr/>
+        </p:nvPicPr>
+        <p:blipFill>
+          <a:blip r:embed="rId2" cstate="hqprint">
+            <a:extLst>
+              <a:ext uri="{28A0092B-C50C-407E-A947-70E740481C1C}">
+                <a14:useLocalDpi xmlns:a14="http://schemas.microsoft.com/office/drawing/2010/main" val="0"/>
+              </a:ext>
+            </a:extLst>
+          </a:blip>
+          <a:stretch>
+            <a:fillRect/>
+          </a:stretch>
+        </p:blipFill>
+        <p:spPr>
+          <a:xfrm>
+            <a:off x="143711" y="117141"/>
+            <a:ext cx="2530772" cy="882369"/>
+          </a:xfrm>
+          <a:prstGeom prst="rect">
+            <a:avLst/>
+          </a:prstGeom>
+        </p:spPr>
+      </p:pic>
+      <p:sp>
+        <p:nvSpPr>
+          <p:cNvPr id="6" name="CaixaDeTexto 5">
+            <a:extLst>
+              <a:ext uri="{FF2B5EF4-FFF2-40B4-BE49-F238E27FC236}">
+                <a16:creationId xmlns:a16="http://schemas.microsoft.com/office/drawing/2014/main" id="{0D8912D2-B081-46A3-B4A0-334D4495E6F0}"/>
+              </a:ext>
+            </a:extLst>
+          </p:cNvPr>
+          <p:cNvSpPr txBox="1"/>
+          <p:nvPr/>
+        </p:nvSpPr>
+        <p:spPr>
+          <a:xfrm>
+            <a:off x="0" y="6457890"/>
+            <a:ext cx="4717638" cy="400110"/>
+          </a:xfrm>
+          <a:prstGeom prst="rect">
+            <a:avLst/>
+          </a:prstGeom>
+          <a:noFill/>
+        </p:spPr>
+        <p:txBody>
+          <a:bodyPr wrap="none" rtlCol="0">
+            <a:spAutoFit/>
+          </a:bodyPr>
+          <a:lstStyle/>
+          <a:p>
+            <a:r>
+              <a:rPr lang="en-US" sz="2000" dirty="0">
+                <a:solidFill>
+                  <a:schemeClr val="accent1">
+                    <a:lumMod val="50000"/>
+                  </a:schemeClr>
+                </a:solidFill>
+              </a:rPr>
+              <a:t>TPSIP_10.17 </a:t>
+            </a:r>
+            <a:r>
+              <a:rPr lang="en-US" sz="1400" dirty="0">
+                <a:solidFill>
+                  <a:schemeClr val="accent1">
+                    <a:lumMod val="50000"/>
+                  </a:schemeClr>
+                </a:solidFill>
+              </a:rPr>
+              <a:t>-</a:t>
+            </a:r>
+            <a:r>
+              <a:rPr lang="en-US" dirty="0">
+                <a:solidFill>
+                  <a:schemeClr val="accent1">
+                    <a:lumMod val="50000"/>
+                  </a:schemeClr>
+                </a:solidFill>
+              </a:rPr>
+              <a:t> </a:t>
+            </a:r>
+            <a:r>
+              <a:rPr lang="en-US" sz="1400" dirty="0">
+                <a:solidFill>
+                  <a:schemeClr val="accent1">
+                    <a:lumMod val="50000"/>
+                  </a:schemeClr>
+                </a:solidFill>
+              </a:rPr>
+              <a:t>Bruno Ferreira, João Santos e Luís Passeira</a:t>
+            </a:r>
+            <a:endParaRPr lang="pt-PT" sz="1400" dirty="0">
+              <a:solidFill>
+                <a:schemeClr val="accent1">
+                  <a:lumMod val="50000"/>
+                </a:schemeClr>
+              </a:solidFill>
+            </a:endParaRPr>
+          </a:p>
+        </p:txBody>
+      </p:sp>
+      <p:sp>
+        <p:nvSpPr>
+          <p:cNvPr id="7" name="CaixaDeTexto 6">
+            <a:extLst>
+              <a:ext uri="{FF2B5EF4-FFF2-40B4-BE49-F238E27FC236}">
+                <a16:creationId xmlns:a16="http://schemas.microsoft.com/office/drawing/2014/main" id="{8ED0A782-13C3-4B4B-B3A8-69DA23F1F64E}"/>
+              </a:ext>
+            </a:extLst>
+          </p:cNvPr>
+          <p:cNvSpPr txBox="1"/>
+          <p:nvPr/>
+        </p:nvSpPr>
+        <p:spPr>
+          <a:xfrm>
+            <a:off x="9988061" y="6457890"/>
+            <a:ext cx="2203939" cy="400110"/>
+          </a:xfrm>
+          <a:prstGeom prst="rect">
+            <a:avLst/>
+          </a:prstGeom>
+          <a:noFill/>
+        </p:spPr>
+        <p:txBody>
+          <a:bodyPr wrap="square" rtlCol="0">
+            <a:spAutoFit/>
+          </a:bodyPr>
+          <a:lstStyle/>
+          <a:p>
+            <a:r>
+              <a:rPr lang="en-US" sz="2000" dirty="0">
+                <a:solidFill>
+                  <a:schemeClr val="accent1">
+                    <a:lumMod val="50000"/>
+                  </a:schemeClr>
+                </a:solidFill>
+              </a:rPr>
+              <a:t>Projecto Final SPAD</a:t>
+            </a:r>
+            <a:endParaRPr lang="pt-PT" sz="2000" dirty="0">
+              <a:solidFill>
+                <a:schemeClr val="accent1">
+                  <a:lumMod val="50000"/>
+                </a:schemeClr>
+              </a:solidFill>
+            </a:endParaRPr>
+          </a:p>
+        </p:txBody>
+      </p:sp>
+      <p:sp>
+        <p:nvSpPr>
+          <p:cNvPr id="9" name="CaixaDeTexto 7">
+            <a:extLst>
+              <a:ext uri="{FF2B5EF4-FFF2-40B4-BE49-F238E27FC236}">
+                <a16:creationId xmlns:a16="http://schemas.microsoft.com/office/drawing/2014/main" id="{18BE4D7A-EDB0-4F0E-8A3F-3FBE1E77B25F}"/>
+              </a:ext>
+            </a:extLst>
+          </p:cNvPr>
+          <p:cNvSpPr txBox="1"/>
+          <p:nvPr/>
+        </p:nvSpPr>
+        <p:spPr>
+          <a:xfrm>
+            <a:off x="3073319" y="91449"/>
+            <a:ext cx="8974969" cy="461665"/>
+          </a:xfrm>
+          <a:prstGeom prst="rect">
+            <a:avLst/>
+          </a:prstGeom>
+        </p:spPr>
+        <p:style>
+          <a:lnRef idx="0">
+            <a:schemeClr val="accent4"/>
+          </a:lnRef>
+          <a:fillRef idx="3">
+            <a:schemeClr val="accent4"/>
+          </a:fillRef>
+          <a:effectRef idx="3">
+            <a:schemeClr val="accent4"/>
+          </a:effectRef>
+          <a:fontRef idx="minor">
+            <a:schemeClr val="lt1"/>
+          </a:fontRef>
+        </p:style>
+        <p:txBody>
+          <a:bodyPr wrap="square" rtlCol="0">
+            <a:spAutoFit/>
+          </a:bodyPr>
+          <a:lstStyle/>
+          <a:p>
+            <a:pPr algn="ctr"/>
+            <a:r>
+              <a:rPr lang="pt-PT" sz="2400" dirty="0">
+                <a:solidFill>
+                  <a:schemeClr val="accent1">
+                    <a:lumMod val="50000"/>
+                  </a:schemeClr>
+                </a:solidFill>
+              </a:rPr>
+              <a:t>Modelo Dados</a:t>
+            </a:r>
+          </a:p>
+        </p:txBody>
+      </p:sp>
+      <p:pic>
+        <p:nvPicPr>
+          <p:cNvPr id="4" name="Imagem 3">
+            <a:extLst>
+              <a:ext uri="{FF2B5EF4-FFF2-40B4-BE49-F238E27FC236}">
+                <a16:creationId xmlns:a16="http://schemas.microsoft.com/office/drawing/2014/main" id="{59B56613-F815-4910-86DE-04E433A12D32}"/>
+              </a:ext>
+            </a:extLst>
+          </p:cNvPr>
+          <p:cNvPicPr>
+            <a:picLocks noChangeAspect="1"/>
+          </p:cNvPicPr>
+          <p:nvPr/>
+        </p:nvPicPr>
+        <p:blipFill>
+          <a:blip r:embed="rId3">
+            <a:extLst>
+              <a:ext uri="{28A0092B-C50C-407E-A947-70E740481C1C}">
+                <a14:useLocalDpi xmlns:a14="http://schemas.microsoft.com/office/drawing/2010/main" val="0"/>
+              </a:ext>
+            </a:extLst>
+          </a:blip>
+          <a:stretch>
+            <a:fillRect/>
+          </a:stretch>
+        </p:blipFill>
+        <p:spPr>
+          <a:xfrm>
+            <a:off x="213064" y="1210853"/>
+            <a:ext cx="11700769" cy="5003516"/>
+          </a:xfrm>
+          <a:prstGeom prst="rect">
+            <a:avLst/>
+          </a:prstGeom>
+        </p:spPr>
+      </p:pic>
+    </p:spTree>
+    <p:extLst>
+      <p:ext uri="{BB962C8B-B14F-4D97-AF65-F5344CB8AC3E}">
+        <p14:creationId xmlns:p14="http://schemas.microsoft.com/office/powerpoint/2010/main" val="3038373665"/>
       </p:ext>
     </p:extLst>
   </p:cSld>
@@ -3818,17 +4080,7 @@
                   </a:schemeClr>
                 </a:solidFill>
               </a:rPr>
-              <a:t>Projecto Final </a:t>
-            </a:r>
-            <a:r>
-              <a:rPr lang="en-US" sz="2000" dirty="0" smtClean="0">
-                <a:solidFill>
-                  <a:schemeClr val="accent1">
-                    <a:lumMod val="50000"/>
-                  </a:schemeClr>
-                </a:solidFill>
-              </a:rPr>
-              <a:t>SPAD</a:t>
+              <a:t>Projecto Final SPAD</a:t>
             </a:r>
             <a:endParaRPr lang="pt-PT" sz="2000" dirty="0">
               <a:solidFill>
@@ -3883,7 +4135,7 @@
           <a:p>
             <a:pPr algn="ctr"/>
             <a:r>
-              <a:rPr lang="pt-PT" sz="2400" dirty="0" smtClean="0">
+              <a:rPr lang="pt-PT" sz="2400" dirty="0">
                 <a:solidFill>
                   <a:schemeClr val="accent1">
                     <a:lumMod val="50000"/>
@@ -3892,13 +4144,6 @@
               </a:rPr>
               <a:t>Contextualização</a:t>
             </a:r>
-            <a:endParaRPr lang="pt-PT" sz="2400" dirty="0">
-              <a:solidFill>
-                <a:schemeClr val="accent1">
-                  <a:lumMod val="50000"/>
-                </a:schemeClr>
-              </a:solidFill>
-            </a:endParaRPr>
           </a:p>
         </p:txBody>
       </p:sp>
@@ -3925,7 +4170,7 @@
           <a:lstStyle/>
           <a:p>
             <a:r>
-              <a:rPr lang="pt-PT" sz="2000" dirty="0" smtClean="0">
+              <a:rPr lang="pt-PT" sz="2000" dirty="0">
                 <a:ln w="0"/>
                 <a:solidFill>
                   <a:schemeClr val="accent1"/>
@@ -3979,7 +4224,7 @@
           <a:lstStyle/>
           <a:p>
             <a:r>
-              <a:rPr lang="pt-PT" sz="2000" dirty="0" smtClean="0">
+              <a:rPr lang="pt-PT" sz="2000" dirty="0">
                 <a:ln w="0"/>
                 <a:solidFill>
                   <a:schemeClr val="accent1"/>
@@ -4033,7 +4278,7 @@
           <a:lstStyle/>
           <a:p>
             <a:r>
-              <a:rPr lang="pt-PT" sz="2000" dirty="0" smtClean="0">
+              <a:rPr lang="pt-PT" sz="2000" dirty="0">
                 <a:ln w="0"/>
                 <a:solidFill>
                   <a:schemeClr val="accent1"/>
@@ -4244,17 +4489,7 @@
                   </a:schemeClr>
                 </a:solidFill>
               </a:rPr>
-              <a:t>Projecto Final </a:t>
-            </a:r>
-            <a:r>
-              <a:rPr lang="en-US" sz="2000" dirty="0" smtClean="0">
-                <a:solidFill>
-                  <a:schemeClr val="accent1">
-                    <a:lumMod val="50000"/>
-                  </a:schemeClr>
-                </a:solidFill>
-              </a:rPr>
-              <a:t>SPAD</a:t>
+              <a:t>Projecto Final SPAD</a:t>
             </a:r>
             <a:endParaRPr lang="pt-PT" sz="2000" dirty="0">
               <a:solidFill>
@@ -4309,7 +4544,7 @@
           <a:p>
             <a:pPr algn="ctr"/>
             <a:r>
-              <a:rPr lang="pt-PT" sz="2400" dirty="0" smtClean="0">
+              <a:rPr lang="pt-PT" sz="2400" dirty="0">
                 <a:solidFill>
                   <a:schemeClr val="accent1">
                     <a:lumMod val="50000"/>
@@ -4318,13 +4553,6 @@
               </a:rPr>
               <a:t>Desvantagens</a:t>
             </a:r>
-            <a:endParaRPr lang="pt-PT" sz="2400" dirty="0">
-              <a:solidFill>
-                <a:schemeClr val="accent1">
-                  <a:lumMod val="50000"/>
-                </a:schemeClr>
-              </a:solidFill>
-            </a:endParaRPr>
           </a:p>
         </p:txBody>
       </p:sp>
@@ -4351,7 +4579,7 @@
           <a:lstStyle/>
           <a:p>
             <a:r>
-              <a:rPr lang="pt-PT" sz="2000" dirty="0" smtClean="0">
+              <a:rPr lang="pt-PT" sz="2000" dirty="0">
                 <a:ln w="0"/>
                 <a:solidFill>
                   <a:schemeClr val="accent1"/>
@@ -4405,7 +4633,7 @@
           <a:lstStyle/>
           <a:p>
             <a:r>
-              <a:rPr lang="pt-PT" sz="1600" dirty="0" smtClean="0">
+              <a:rPr lang="pt-PT" sz="1600" dirty="0">
                 <a:ln w="0"/>
                 <a:solidFill>
                   <a:schemeClr val="accent1"/>
@@ -4472,23 +4700,7 @@
                   </a:outerShdw>
                 </a:effectLst>
               </a:rPr>
-              <a:t>2</a:t>
-            </a:r>
-            <a:r>
-              <a:rPr lang="pt-PT" sz="1600" dirty="0" smtClean="0">
-                <a:ln w="0"/>
-                <a:solidFill>
-                  <a:schemeClr val="accent1"/>
-                </a:solidFill>
-                <a:effectLst>
-                  <a:outerShdw blurRad="38100" dist="25400" dir="5400000" algn="ctr" rotWithShape="0">
-                    <a:srgbClr val="6E747A">
-                      <a:alpha val="43000"/>
-                    </a:srgbClr>
-                  </a:outerShdw>
-                </a:effectLst>
-              </a:rPr>
-              <a:t> – Propenso a erros de introdução de dados (nomes, datas, resultados, etc..)</a:t>
+              <a:t>2 – Propenso a erros de introdução de dados (nomes, datas, resultados, etc..)</a:t>
             </a:r>
             <a:endParaRPr lang="pt-PT" sz="1600" b="0" cap="none" spc="0" dirty="0">
               <a:ln w="0"/>
@@ -4529,7 +4741,7 @@
           <a:lstStyle/>
           <a:p>
             <a:r>
-              <a:rPr lang="pt-PT" sz="1600" dirty="0" smtClean="0">
+              <a:rPr lang="pt-PT" sz="1600" dirty="0">
                 <a:ln w="0"/>
                 <a:solidFill>
                   <a:schemeClr val="accent1"/>
@@ -4596,23 +4808,7 @@
                   </a:outerShdw>
                 </a:effectLst>
               </a:rPr>
-              <a:t>4</a:t>
-            </a:r>
-            <a:r>
-              <a:rPr lang="pt-PT" sz="1600" dirty="0" smtClean="0">
-                <a:ln w="0"/>
-                <a:solidFill>
-                  <a:schemeClr val="accent1"/>
-                </a:solidFill>
-                <a:effectLst>
-                  <a:outerShdw blurRad="38100" dist="25400" dir="5400000" algn="ctr" rotWithShape="0">
-                    <a:srgbClr val="6E747A">
-                      <a:alpha val="43000"/>
-                    </a:srgbClr>
-                  </a:outerShdw>
-                </a:effectLst>
-              </a:rPr>
-              <a:t> – Layout confuso e limitado pelo Excel.</a:t>
+              <a:t>4 – Layout confuso e limitado pelo Excel.</a:t>
             </a:r>
             <a:endParaRPr lang="pt-PT" sz="1600" b="0" cap="none" spc="0" dirty="0">
               <a:ln w="0"/>
@@ -4653,7 +4849,7 @@
           <a:lstStyle/>
           <a:p>
             <a:r>
-              <a:rPr lang="pt-PT" sz="1600" dirty="0" smtClean="0">
+              <a:rPr lang="pt-PT" sz="1600" dirty="0">
                 <a:ln w="0"/>
                 <a:solidFill>
                   <a:schemeClr val="accent1"/>
@@ -4864,17 +5060,7 @@
                   </a:schemeClr>
                 </a:solidFill>
               </a:rPr>
-              <a:t>Projecto Final </a:t>
-            </a:r>
-            <a:r>
-              <a:rPr lang="en-US" sz="2000" dirty="0" smtClean="0">
-                <a:solidFill>
-                  <a:schemeClr val="accent1">
-                    <a:lumMod val="50000"/>
-                  </a:schemeClr>
-                </a:solidFill>
-              </a:rPr>
-              <a:t>SPAD</a:t>
+              <a:t>Projecto Final SPAD</a:t>
             </a:r>
             <a:endParaRPr lang="pt-PT" sz="2000" dirty="0">
               <a:solidFill>
@@ -4929,7 +5115,7 @@
           <a:p>
             <a:pPr algn="ctr"/>
             <a:r>
-              <a:rPr lang="pt-PT" sz="2400" dirty="0" smtClean="0">
+              <a:rPr lang="pt-PT" sz="2400" dirty="0">
                 <a:solidFill>
                   <a:schemeClr val="accent1">
                     <a:lumMod val="50000"/>
@@ -4938,13 +5124,6 @@
               </a:rPr>
               <a:t>Objetivos</a:t>
             </a:r>
-            <a:endParaRPr lang="pt-PT" sz="2400" dirty="0">
-              <a:solidFill>
-                <a:schemeClr val="accent1">
-                  <a:lumMod val="50000"/>
-                </a:schemeClr>
-              </a:solidFill>
-            </a:endParaRPr>
           </a:p>
         </p:txBody>
       </p:sp>
@@ -4971,7 +5150,7 @@
           <a:lstStyle/>
           <a:p>
             <a:r>
-              <a:rPr lang="pt-PT" dirty="0" smtClean="0">
+              <a:rPr lang="pt-PT" dirty="0">
                 <a:ln w="0"/>
                 <a:solidFill>
                   <a:schemeClr val="accent1"/>
@@ -5025,7 +5204,7 @@
           <a:lstStyle/>
           <a:p>
             <a:r>
-              <a:rPr lang="pt-PT" dirty="0" smtClean="0">
+              <a:rPr lang="pt-PT" dirty="0">
                 <a:ln w="0"/>
                 <a:solidFill>
                   <a:schemeClr val="accent1"/>
@@ -5079,7 +5258,7 @@
           <a:lstStyle/>
           <a:p>
             <a:r>
-              <a:rPr lang="pt-PT" dirty="0" smtClean="0">
+              <a:rPr lang="pt-PT" dirty="0">
                 <a:ln w="0"/>
                 <a:solidFill>
                   <a:schemeClr val="accent1"/>
@@ -5133,7 +5312,7 @@
           <a:lstStyle/>
           <a:p>
             <a:r>
-              <a:rPr lang="pt-PT" dirty="0" smtClean="0">
+              <a:rPr lang="pt-PT" dirty="0">
                 <a:ln w="0"/>
                 <a:solidFill>
                   <a:schemeClr val="accent1"/>
@@ -5344,17 +5523,7 @@
                   </a:schemeClr>
                 </a:solidFill>
               </a:rPr>
-              <a:t>Projecto Final </a:t>
-            </a:r>
-            <a:r>
-              <a:rPr lang="en-US" sz="2000" dirty="0" smtClean="0">
-                <a:solidFill>
-                  <a:schemeClr val="accent1">
-                    <a:lumMod val="50000"/>
-                  </a:schemeClr>
-                </a:solidFill>
-              </a:rPr>
-              <a:t>SPAD</a:t>
+              <a:t>Projecto Final SPAD</a:t>
             </a:r>
             <a:endParaRPr lang="pt-PT" sz="2000" dirty="0">
               <a:solidFill>
@@ -5409,7 +5578,7 @@
           <a:p>
             <a:pPr algn="ctr"/>
             <a:r>
-              <a:rPr lang="pt-PT" sz="2400" dirty="0" smtClean="0">
+              <a:rPr lang="pt-PT" sz="2400" dirty="0">
                 <a:solidFill>
                   <a:schemeClr val="accent1">
                     <a:lumMod val="50000"/>
@@ -5418,13 +5587,6 @@
               </a:rPr>
               <a:t>Requisitos</a:t>
             </a:r>
-            <a:endParaRPr lang="pt-PT" sz="2400" dirty="0">
-              <a:solidFill>
-                <a:schemeClr val="accent1">
-                  <a:lumMod val="50000"/>
-                </a:schemeClr>
-              </a:solidFill>
-            </a:endParaRPr>
           </a:p>
         </p:txBody>
       </p:sp>
@@ -5458,7 +5620,7 @@
               </a:spcAft>
             </a:pPr>
             <a:r>
-              <a:rPr lang="pt-PT" sz="1200" dirty="0" smtClean="0">
+              <a:rPr lang="pt-PT" sz="1200" dirty="0">
                 <a:ln w="0"/>
                 <a:solidFill>
                   <a:schemeClr val="accent1"/>
@@ -5474,8 +5636,18 @@
                 <a:ea typeface="MS Mincho"/>
                 <a:cs typeface="Times New Roman" panose="02020603050405020304" pitchFamily="18" charset="0"/>
               </a:rPr>
-              <a:t>- Obter </a:t>
-            </a:r>
+              <a:t>- Obter dados de eventos desportivos de futebol de forma automática (Web-API).</a:t>
+            </a:r>
+          </a:p>
+          <a:p>
+            <a:pPr algn="just">
+              <a:lnSpc>
+                <a:spcPct val="150000"/>
+              </a:lnSpc>
+              <a:spcAft>
+                <a:spcPts val="0"/>
+              </a:spcAft>
+            </a:pPr>
             <a:r>
               <a:rPr lang="pt-PT" sz="1200" dirty="0">
                 <a:ln w="0"/>
@@ -5493,10 +5665,20 @@
                 <a:ea typeface="MS Mincho"/>
                 <a:cs typeface="Times New Roman" panose="02020603050405020304" pitchFamily="18" charset="0"/>
               </a:rPr>
-              <a:t>dados de eventos desportivos de futebol de forma </a:t>
-            </a:r>
-            <a:r>
-              <a:rPr lang="pt-PT" sz="1200" dirty="0" smtClean="0">
+              <a:t>- Persistir os dados no nosso sistema (Base de dados MS SQL Server).</a:t>
+            </a:r>
+          </a:p>
+          <a:p>
+            <a:pPr algn="just">
+              <a:lnSpc>
+                <a:spcPct val="150000"/>
+              </a:lnSpc>
+              <a:spcAft>
+                <a:spcPts val="0"/>
+              </a:spcAft>
+            </a:pPr>
+            <a:r>
+              <a:rPr lang="pt-PT" sz="1200" dirty="0">
                 <a:ln w="0"/>
                 <a:solidFill>
                   <a:schemeClr val="accent1"/>
@@ -5512,7 +5694,7 @@
                 <a:ea typeface="MS Mincho"/>
                 <a:cs typeface="Times New Roman" panose="02020603050405020304" pitchFamily="18" charset="0"/>
               </a:rPr>
-              <a:t>automática (Web-API).</a:t>
+              <a:t>- Aplicar algoritmos estatísticos sobre os dados recolhidos.</a:t>
             </a:r>
           </a:p>
           <a:p>
@@ -5525,7 +5707,7 @@
               </a:spcAft>
             </a:pPr>
             <a:r>
-              <a:rPr lang="pt-PT" sz="1200" dirty="0" smtClean="0">
+              <a:rPr lang="pt-PT" sz="1200" dirty="0">
                 <a:ln w="0"/>
                 <a:solidFill>
                   <a:schemeClr val="accent1"/>
@@ -5541,7 +5723,7 @@
                 <a:ea typeface="MS Mincho"/>
                 <a:cs typeface="Times New Roman" panose="02020603050405020304" pitchFamily="18" charset="0"/>
               </a:rPr>
-              <a:t>- Persistir os dados no nosso sistema (Base de dados MS SQL Server).</a:t>
+              <a:t>- Gerar prognósticos para futuros eventos desportivos de futebol.</a:t>
             </a:r>
           </a:p>
           <a:p>
@@ -5554,7 +5736,7 @@
               </a:spcAft>
             </a:pPr>
             <a:r>
-              <a:rPr lang="pt-PT" sz="1200" dirty="0" smtClean="0">
+              <a:rPr lang="pt-PT" sz="1200" dirty="0">
                 <a:ln w="0"/>
                 <a:solidFill>
                   <a:schemeClr val="accent1"/>
@@ -5570,8 +5752,18 @@
                 <a:ea typeface="MS Mincho"/>
                 <a:cs typeface="Times New Roman" panose="02020603050405020304" pitchFamily="18" charset="0"/>
               </a:rPr>
-              <a:t>- </a:t>
-            </a:r>
+              <a:t>- Guardar o histórico dos prognósticos gerados pelo sistema.</a:t>
+            </a:r>
+          </a:p>
+          <a:p>
+            <a:pPr algn="just">
+              <a:lnSpc>
+                <a:spcPct val="150000"/>
+              </a:lnSpc>
+              <a:spcAft>
+                <a:spcPts val="0"/>
+              </a:spcAft>
+            </a:pPr>
             <a:r>
               <a:rPr lang="pt-PT" sz="1200" dirty="0">
                 <a:ln w="0"/>
@@ -5589,10 +5781,20 @@
                 <a:ea typeface="MS Mincho"/>
                 <a:cs typeface="Times New Roman" panose="02020603050405020304" pitchFamily="18" charset="0"/>
               </a:rPr>
-              <a:t>Aplicar algoritmos estatísticos sobre os dados </a:t>
-            </a:r>
-            <a:r>
-              <a:rPr lang="pt-PT" sz="1200" dirty="0" smtClean="0">
+              <a:t>- Permitir o registo de utilizadores no sistema e a sua gestão.</a:t>
+            </a:r>
+          </a:p>
+          <a:p>
+            <a:pPr algn="just">
+              <a:lnSpc>
+                <a:spcPct val="150000"/>
+              </a:lnSpc>
+              <a:spcAft>
+                <a:spcPts val="0"/>
+              </a:spcAft>
+            </a:pPr>
+            <a:r>
+              <a:rPr lang="pt-PT" sz="1200" dirty="0">
                 <a:ln w="0"/>
                 <a:solidFill>
                   <a:schemeClr val="accent1"/>
@@ -5608,24 +5810,8 @@
                 <a:ea typeface="MS Mincho"/>
                 <a:cs typeface="Times New Roman" panose="02020603050405020304" pitchFamily="18" charset="0"/>
               </a:rPr>
-              <a:t>recolhidos.</a:t>
-            </a:r>
-            <a:endParaRPr lang="pt-PT" sz="1200" dirty="0">
-              <a:ln w="0"/>
-              <a:solidFill>
-                <a:schemeClr val="accent1"/>
-              </a:solidFill>
-              <a:effectLst>
-                <a:outerShdw blurRad="38100" dist="25400" dir="5400000" algn="ctr" rotWithShape="0">
-                  <a:srgbClr val="6E747A">
-                    <a:alpha val="43000"/>
-                  </a:srgbClr>
-                </a:outerShdw>
-              </a:effectLst>
-              <a:latin typeface="Calibri" panose="020F0502020204030204" pitchFamily="34" charset="0"/>
-              <a:ea typeface="MS Mincho"/>
-              <a:cs typeface="Times New Roman" panose="02020603050405020304" pitchFamily="18" charset="0"/>
-            </a:endParaRPr>
+              <a:t>- Permitir a criação e envio de newsletter para utilizadores registados.</a:t>
+            </a:r>
           </a:p>
           <a:p>
             <a:pPr algn="just">
@@ -5653,7 +5839,7 @@
                 <a:ea typeface="MS Mincho"/>
                 <a:cs typeface="Times New Roman" panose="02020603050405020304" pitchFamily="18" charset="0"/>
               </a:rPr>
-              <a:t>- Gerar prognósticos para futuros eventos desportivos de futebol.</a:t>
+              <a:t>- Permitir a consulta do histórico dos prognósticos gerados pelo sistema.</a:t>
             </a:r>
           </a:p>
           <a:p>
@@ -5682,7 +5868,7 @@
                 <a:ea typeface="MS Mincho"/>
                 <a:cs typeface="Times New Roman" panose="02020603050405020304" pitchFamily="18" charset="0"/>
               </a:rPr>
-              <a:t>- Guardar o histórico dos prognósticos gerados pelo sistema.</a:t>
+              <a:t>- Criar uma Web Application (Back Office) que permita a fácil gestão de todo o sistema SPAD</a:t>
             </a:r>
           </a:p>
           <a:p>
@@ -5711,7 +5897,7 @@
                 <a:ea typeface="MS Mincho"/>
                 <a:cs typeface="Times New Roman" panose="02020603050405020304" pitchFamily="18" charset="0"/>
               </a:rPr>
-              <a:t>- Permitir o registo de utilizadores no sistema e a sua gestão.</a:t>
+              <a:t>- Criar uma Web Application (Front Office) que permita a consulta dos prognósticos futuros, bem como visualizar os prognósticos passados.</a:t>
             </a:r>
           </a:p>
           <a:p>
@@ -5740,7 +5926,7 @@
                 <a:ea typeface="MS Mincho"/>
                 <a:cs typeface="Times New Roman" panose="02020603050405020304" pitchFamily="18" charset="0"/>
               </a:rPr>
-              <a:t>- Permitir a criação e envio de newsletter para utilizadores registados.</a:t>
+              <a:t>  (deve ser possível ordenar e filtrar os vários prognósticos) </a:t>
             </a:r>
           </a:p>
           <a:p>
@@ -5769,310 +5955,7 @@
                 <a:ea typeface="MS Mincho"/>
                 <a:cs typeface="Times New Roman" panose="02020603050405020304" pitchFamily="18" charset="0"/>
               </a:rPr>
-              <a:t>- Permitir a consulta do histórico dos prognósticos gerados pelo sistema.</a:t>
-            </a:r>
-          </a:p>
-          <a:p>
-            <a:pPr algn="just">
-              <a:lnSpc>
-                <a:spcPct val="150000"/>
-              </a:lnSpc>
-              <a:spcAft>
-                <a:spcPts val="0"/>
-              </a:spcAft>
-            </a:pPr>
-            <a:r>
-              <a:rPr lang="pt-PT" sz="1200" dirty="0" smtClean="0">
-                <a:ln w="0"/>
-                <a:solidFill>
-                  <a:schemeClr val="accent1"/>
-                </a:solidFill>
-                <a:effectLst>
-                  <a:outerShdw blurRad="38100" dist="25400" dir="5400000" algn="ctr" rotWithShape="0">
-                    <a:srgbClr val="6E747A">
-                      <a:alpha val="43000"/>
-                    </a:srgbClr>
-                  </a:outerShdw>
-                </a:effectLst>
-                <a:latin typeface="Calibri" panose="020F0502020204030204" pitchFamily="34" charset="0"/>
-                <a:ea typeface="MS Mincho"/>
-                <a:cs typeface="Times New Roman" panose="02020603050405020304" pitchFamily="18" charset="0"/>
-              </a:rPr>
-              <a:t>- Criar uma Web Application (Back Office) que permita a fácil gestão </a:t>
-            </a:r>
-            <a:r>
-              <a:rPr lang="pt-PT" sz="1200" dirty="0">
-                <a:ln w="0"/>
-                <a:solidFill>
-                  <a:schemeClr val="accent1"/>
-                </a:solidFill>
-                <a:effectLst>
-                  <a:outerShdw blurRad="38100" dist="25400" dir="5400000" algn="ctr" rotWithShape="0">
-                    <a:srgbClr val="6E747A">
-                      <a:alpha val="43000"/>
-                    </a:srgbClr>
-                  </a:outerShdw>
-                </a:effectLst>
-                <a:latin typeface="Calibri" panose="020F0502020204030204" pitchFamily="34" charset="0"/>
-                <a:ea typeface="MS Mincho"/>
-                <a:cs typeface="Times New Roman" panose="02020603050405020304" pitchFamily="18" charset="0"/>
-              </a:rPr>
-              <a:t>de todo o </a:t>
-            </a:r>
-            <a:r>
-              <a:rPr lang="pt-PT" sz="1200" dirty="0" smtClean="0">
-                <a:ln w="0"/>
-                <a:solidFill>
-                  <a:schemeClr val="accent1"/>
-                </a:solidFill>
-                <a:effectLst>
-                  <a:outerShdw blurRad="38100" dist="25400" dir="5400000" algn="ctr" rotWithShape="0">
-                    <a:srgbClr val="6E747A">
-                      <a:alpha val="43000"/>
-                    </a:srgbClr>
-                  </a:outerShdw>
-                </a:effectLst>
-                <a:latin typeface="Calibri" panose="020F0502020204030204" pitchFamily="34" charset="0"/>
-                <a:ea typeface="MS Mincho"/>
-                <a:cs typeface="Times New Roman" panose="02020603050405020304" pitchFamily="18" charset="0"/>
-              </a:rPr>
-              <a:t>sistema SPAD</a:t>
-            </a:r>
-          </a:p>
-          <a:p>
-            <a:pPr algn="just">
-              <a:lnSpc>
-                <a:spcPct val="150000"/>
-              </a:lnSpc>
-              <a:spcAft>
-                <a:spcPts val="0"/>
-              </a:spcAft>
-            </a:pPr>
-            <a:r>
-              <a:rPr lang="pt-PT" sz="1200" dirty="0" smtClean="0">
-                <a:ln w="0"/>
-                <a:solidFill>
-                  <a:schemeClr val="accent1"/>
-                </a:solidFill>
-                <a:effectLst>
-                  <a:outerShdw blurRad="38100" dist="25400" dir="5400000" algn="ctr" rotWithShape="0">
-                    <a:srgbClr val="6E747A">
-                      <a:alpha val="43000"/>
-                    </a:srgbClr>
-                  </a:outerShdw>
-                </a:effectLst>
-                <a:latin typeface="Calibri" panose="020F0502020204030204" pitchFamily="34" charset="0"/>
-                <a:ea typeface="MS Mincho"/>
-                <a:cs typeface="Times New Roman" panose="02020603050405020304" pitchFamily="18" charset="0"/>
-              </a:rPr>
-              <a:t>- Criar </a:t>
-            </a:r>
-            <a:r>
-              <a:rPr lang="pt-PT" sz="1200" dirty="0">
-                <a:ln w="0"/>
-                <a:solidFill>
-                  <a:schemeClr val="accent1"/>
-                </a:solidFill>
-                <a:effectLst>
-                  <a:outerShdw blurRad="38100" dist="25400" dir="5400000" algn="ctr" rotWithShape="0">
-                    <a:srgbClr val="6E747A">
-                      <a:alpha val="43000"/>
-                    </a:srgbClr>
-                  </a:outerShdw>
-                </a:effectLst>
-                <a:latin typeface="Calibri" panose="020F0502020204030204" pitchFamily="34" charset="0"/>
-                <a:ea typeface="MS Mincho"/>
-                <a:cs typeface="Times New Roman" panose="02020603050405020304" pitchFamily="18" charset="0"/>
-              </a:rPr>
-              <a:t>uma Web Application </a:t>
-            </a:r>
-            <a:r>
-              <a:rPr lang="pt-PT" sz="1200" dirty="0" smtClean="0">
-                <a:ln w="0"/>
-                <a:solidFill>
-                  <a:schemeClr val="accent1"/>
-                </a:solidFill>
-                <a:effectLst>
-                  <a:outerShdw blurRad="38100" dist="25400" dir="5400000" algn="ctr" rotWithShape="0">
-                    <a:srgbClr val="6E747A">
-                      <a:alpha val="43000"/>
-                    </a:srgbClr>
-                  </a:outerShdw>
-                </a:effectLst>
-                <a:latin typeface="Calibri" panose="020F0502020204030204" pitchFamily="34" charset="0"/>
-                <a:ea typeface="MS Mincho"/>
-                <a:cs typeface="Times New Roman" panose="02020603050405020304" pitchFamily="18" charset="0"/>
-              </a:rPr>
-              <a:t>(Front </a:t>
-            </a:r>
-            <a:r>
-              <a:rPr lang="pt-PT" sz="1200" dirty="0">
-                <a:ln w="0"/>
-                <a:solidFill>
-                  <a:schemeClr val="accent1"/>
-                </a:solidFill>
-                <a:effectLst>
-                  <a:outerShdw blurRad="38100" dist="25400" dir="5400000" algn="ctr" rotWithShape="0">
-                    <a:srgbClr val="6E747A">
-                      <a:alpha val="43000"/>
-                    </a:srgbClr>
-                  </a:outerShdw>
-                </a:effectLst>
-                <a:latin typeface="Calibri" panose="020F0502020204030204" pitchFamily="34" charset="0"/>
-                <a:ea typeface="MS Mincho"/>
-                <a:cs typeface="Times New Roman" panose="02020603050405020304" pitchFamily="18" charset="0"/>
-              </a:rPr>
-              <a:t>Office) que permita </a:t>
-            </a:r>
-            <a:r>
-              <a:rPr lang="pt-PT" sz="1200" dirty="0" smtClean="0">
-                <a:ln w="0"/>
-                <a:solidFill>
-                  <a:schemeClr val="accent1"/>
-                </a:solidFill>
-                <a:effectLst>
-                  <a:outerShdw blurRad="38100" dist="25400" dir="5400000" algn="ctr" rotWithShape="0">
-                    <a:srgbClr val="6E747A">
-                      <a:alpha val="43000"/>
-                    </a:srgbClr>
-                  </a:outerShdw>
-                </a:effectLst>
-                <a:latin typeface="Calibri" panose="020F0502020204030204" pitchFamily="34" charset="0"/>
-                <a:ea typeface="MS Mincho"/>
-                <a:cs typeface="Times New Roman" panose="02020603050405020304" pitchFamily="18" charset="0"/>
-              </a:rPr>
-              <a:t>a consulta dos prognósticos futuros, bem como visualizar os prognósticos passados.</a:t>
-            </a:r>
-          </a:p>
-          <a:p>
-            <a:pPr algn="just">
-              <a:lnSpc>
-                <a:spcPct val="150000"/>
-              </a:lnSpc>
-              <a:spcAft>
-                <a:spcPts val="0"/>
-              </a:spcAft>
-            </a:pPr>
-            <a:r>
-              <a:rPr lang="pt-PT" sz="1200" dirty="0">
-                <a:ln w="0"/>
-                <a:solidFill>
-                  <a:schemeClr val="accent1"/>
-                </a:solidFill>
-                <a:effectLst>
-                  <a:outerShdw blurRad="38100" dist="25400" dir="5400000" algn="ctr" rotWithShape="0">
-                    <a:srgbClr val="6E747A">
-                      <a:alpha val="43000"/>
-                    </a:srgbClr>
-                  </a:outerShdw>
-                </a:effectLst>
-                <a:latin typeface="Calibri" panose="020F0502020204030204" pitchFamily="34" charset="0"/>
-                <a:ea typeface="MS Mincho"/>
-                <a:cs typeface="Times New Roman" panose="02020603050405020304" pitchFamily="18" charset="0"/>
-              </a:rPr>
-              <a:t> </a:t>
-            </a:r>
-            <a:r>
-              <a:rPr lang="pt-PT" sz="1200" dirty="0" smtClean="0">
-                <a:ln w="0"/>
-                <a:solidFill>
-                  <a:schemeClr val="accent1"/>
-                </a:solidFill>
-                <a:effectLst>
-                  <a:outerShdw blurRad="38100" dist="25400" dir="5400000" algn="ctr" rotWithShape="0">
-                    <a:srgbClr val="6E747A">
-                      <a:alpha val="43000"/>
-                    </a:srgbClr>
-                  </a:outerShdw>
-                </a:effectLst>
-                <a:latin typeface="Calibri" panose="020F0502020204030204" pitchFamily="34" charset="0"/>
-                <a:ea typeface="MS Mincho"/>
-                <a:cs typeface="Times New Roman" panose="02020603050405020304" pitchFamily="18" charset="0"/>
-              </a:rPr>
-              <a:t> (deve ser possível ordenar e filtrar os vários prognósticos) </a:t>
-            </a:r>
-            <a:endParaRPr lang="pt-PT" sz="1200" dirty="0">
-              <a:ln w="0"/>
-              <a:solidFill>
-                <a:schemeClr val="accent1"/>
-              </a:solidFill>
-              <a:effectLst>
-                <a:outerShdw blurRad="38100" dist="25400" dir="5400000" algn="ctr" rotWithShape="0">
-                  <a:srgbClr val="6E747A">
-                    <a:alpha val="43000"/>
-                  </a:srgbClr>
-                </a:outerShdw>
-              </a:effectLst>
-              <a:latin typeface="Calibri" panose="020F0502020204030204" pitchFamily="34" charset="0"/>
-              <a:ea typeface="MS Mincho"/>
-              <a:cs typeface="Times New Roman" panose="02020603050405020304" pitchFamily="18" charset="0"/>
-            </a:endParaRPr>
-          </a:p>
-          <a:p>
-            <a:pPr algn="just">
-              <a:lnSpc>
-                <a:spcPct val="150000"/>
-              </a:lnSpc>
-              <a:spcAft>
-                <a:spcPts val="0"/>
-              </a:spcAft>
-            </a:pPr>
-            <a:r>
-              <a:rPr lang="pt-PT" sz="1200" dirty="0">
-                <a:ln w="0"/>
-                <a:solidFill>
-                  <a:schemeClr val="accent1"/>
-                </a:solidFill>
-                <a:effectLst>
-                  <a:outerShdw blurRad="38100" dist="25400" dir="5400000" algn="ctr" rotWithShape="0">
-                    <a:srgbClr val="6E747A">
-                      <a:alpha val="43000"/>
-                    </a:srgbClr>
-                  </a:outerShdw>
-                </a:effectLst>
-                <a:latin typeface="Calibri" panose="020F0502020204030204" pitchFamily="34" charset="0"/>
-                <a:ea typeface="MS Mincho"/>
-                <a:cs typeface="Times New Roman" panose="02020603050405020304" pitchFamily="18" charset="0"/>
-              </a:rPr>
-              <a:t>- </a:t>
-            </a:r>
-            <a:r>
-              <a:rPr lang="pt-PT" sz="1200" dirty="0" smtClean="0">
-                <a:ln w="0"/>
-                <a:solidFill>
-                  <a:schemeClr val="accent1"/>
-                </a:solidFill>
-                <a:effectLst>
-                  <a:outerShdw blurRad="38100" dist="25400" dir="5400000" algn="ctr" rotWithShape="0">
-                    <a:srgbClr val="6E747A">
-                      <a:alpha val="43000"/>
-                    </a:srgbClr>
-                  </a:outerShdw>
-                </a:effectLst>
-                <a:latin typeface="Calibri" panose="020F0502020204030204" pitchFamily="34" charset="0"/>
-                <a:ea typeface="MS Mincho"/>
-                <a:cs typeface="Times New Roman" panose="02020603050405020304" pitchFamily="18" charset="0"/>
-              </a:rPr>
-              <a:t>Garantir </a:t>
-            </a:r>
-            <a:r>
-              <a:rPr lang="pt-PT" sz="1200" dirty="0">
-                <a:ln w="0"/>
-                <a:solidFill>
-                  <a:schemeClr val="accent1"/>
-                </a:solidFill>
-                <a:effectLst>
-                  <a:outerShdw blurRad="38100" dist="25400" dir="5400000" algn="ctr" rotWithShape="0">
-                    <a:srgbClr val="6E747A">
-                      <a:alpha val="43000"/>
-                    </a:srgbClr>
-                  </a:outerShdw>
-                </a:effectLst>
-                <a:latin typeface="Calibri" panose="020F0502020204030204" pitchFamily="34" charset="0"/>
-                <a:ea typeface="MS Mincho"/>
-                <a:cs typeface="Times New Roman" panose="02020603050405020304" pitchFamily="18" charset="0"/>
-              </a:rPr>
-              <a:t>o acesso ao Front Office através de dispositivos móveis.</a:t>
+              <a:t>- Garantir o acesso ao Front Office através de dispositivos móveis.</a:t>
             </a:r>
           </a:p>
         </p:txBody>
@@ -6100,7 +5983,7 @@
           <a:lstStyle/>
           <a:p>
             <a:r>
-              <a:rPr lang="pt-PT" dirty="0" smtClean="0">
+              <a:rPr lang="pt-PT" dirty="0">
                 <a:ln w="0"/>
                 <a:solidFill>
                   <a:schemeClr val="accent1"/>
@@ -6311,17 +6194,7 @@
                   </a:schemeClr>
                 </a:solidFill>
               </a:rPr>
-              <a:t>Projecto Final </a:t>
-            </a:r>
-            <a:r>
-              <a:rPr lang="en-US" sz="2000" dirty="0" smtClean="0">
-                <a:solidFill>
-                  <a:schemeClr val="accent1">
-                    <a:lumMod val="50000"/>
-                  </a:schemeClr>
-                </a:solidFill>
-              </a:rPr>
-              <a:t>SPAD</a:t>
+              <a:t>Projecto Final SPAD</a:t>
             </a:r>
             <a:endParaRPr lang="pt-PT" sz="2000" dirty="0">
               <a:solidFill>
@@ -6376,7 +6249,7 @@
           <a:p>
             <a:pPr algn="ctr"/>
             <a:r>
-              <a:rPr lang="pt-PT" sz="2400" dirty="0" smtClean="0">
+              <a:rPr lang="pt-PT" sz="2400" dirty="0">
                 <a:solidFill>
                   <a:schemeClr val="accent1">
                     <a:lumMod val="50000"/>
@@ -6385,13 +6258,6 @@
               </a:rPr>
               <a:t>Tecnologias</a:t>
             </a:r>
-            <a:endParaRPr lang="pt-PT" sz="2400" dirty="0">
-              <a:solidFill>
-                <a:schemeClr val="accent1">
-                  <a:lumMod val="50000"/>
-                </a:schemeClr>
-              </a:solidFill>
-            </a:endParaRPr>
           </a:p>
         </p:txBody>
       </p:sp>
@@ -6438,28 +6304,9 @@
                 <a:ea typeface="MS Mincho"/>
                 <a:cs typeface="Times New Roman" panose="02020603050405020304" pitchFamily="18" charset="0"/>
               </a:rPr>
-              <a:t>- </a:t>
-            </a:r>
-            <a:r>
-              <a:rPr lang="pt-PT" sz="2400" dirty="0" smtClean="0">
-                <a:ln w="0"/>
-                <a:solidFill>
-                  <a:schemeClr val="accent1"/>
-                </a:solidFill>
-                <a:effectLst>
-                  <a:outerShdw blurRad="38100" dist="25400" dir="5400000" algn="ctr" rotWithShape="0">
-                    <a:srgbClr val="6E747A">
-                      <a:alpha val="43000"/>
-                    </a:srgbClr>
-                  </a:outerShdw>
-                </a:effectLst>
-                <a:latin typeface="Calibri" panose="020F0502020204030204" pitchFamily="34" charset="0"/>
-                <a:ea typeface="MS Mincho"/>
-                <a:cs typeface="Times New Roman" panose="02020603050405020304" pitchFamily="18" charset="0"/>
-              </a:rPr>
-              <a:t>API				: football-data.org.</a:t>
-            </a:r>
-            <a:endParaRPr lang="en-US" sz="2400" dirty="0" smtClean="0">
+              <a:t>- API				: football-data.org.</a:t>
+            </a:r>
+            <a:endParaRPr lang="en-US" sz="2400" dirty="0">
               <a:ln w="0"/>
               <a:solidFill>
                 <a:schemeClr val="accent1"/>
@@ -6486,7 +6333,7 @@
               </a:spcAft>
             </a:pPr>
             <a:r>
-              <a:rPr lang="en-US" sz="2400" dirty="0" smtClean="0">
+              <a:rPr lang="en-US" sz="2400" dirty="0">
                 <a:ln w="0"/>
                 <a:solidFill>
                   <a:schemeClr val="accent1"/>
@@ -6502,26 +6349,7 @@
                 <a:ea typeface="MS Mincho"/>
                 <a:cs typeface="Times New Roman" panose="02020603050405020304" pitchFamily="18" charset="0"/>
               </a:rPr>
-              <a:t>- Base de Dados		: Microsoft </a:t>
-            </a:r>
-            <a:r>
-              <a:rPr lang="en-US" sz="2400" dirty="0">
-                <a:ln w="0"/>
-                <a:solidFill>
-                  <a:schemeClr val="accent1"/>
-                </a:solidFill>
-                <a:effectLst>
-                  <a:outerShdw blurRad="38100" dist="25400" dir="5400000" algn="ctr" rotWithShape="0">
-                    <a:srgbClr val="6E747A">
-                      <a:alpha val="43000"/>
-                    </a:srgbClr>
-                  </a:outerShdw>
-                </a:effectLst>
-                <a:latin typeface="Calibri" panose="020F0502020204030204" pitchFamily="34" charset="0"/>
-                <a:ea typeface="MS Mincho"/>
-                <a:cs typeface="Times New Roman" panose="02020603050405020304" pitchFamily="18" charset="0"/>
-              </a:rPr>
-              <a:t>SQL Server, T-SQL.</a:t>
+              <a:t>- Base de Dados		: Microsoft SQL Server, T-SQL.</a:t>
             </a:r>
             <a:endParaRPr lang="pt-PT" sz="2400" dirty="0">
               <a:ln w="0"/>
@@ -6566,10 +6394,20 @@
                 <a:ea typeface="MS Mincho"/>
                 <a:cs typeface="Times New Roman" panose="02020603050405020304" pitchFamily="18" charset="0"/>
               </a:rPr>
-              <a:t>- </a:t>
-            </a:r>
-            <a:r>
-              <a:rPr lang="pt-PT" sz="2400" dirty="0" smtClean="0">
+              <a:t>- Server Side			: ASP.NET, C#.</a:t>
+            </a:r>
+          </a:p>
+          <a:p>
+            <a:pPr algn="just">
+              <a:lnSpc>
+                <a:spcPct val="150000"/>
+              </a:lnSpc>
+              <a:spcAft>
+                <a:spcPts val="0"/>
+              </a:spcAft>
+            </a:pPr>
+            <a:r>
+              <a:rPr lang="en-US" sz="2400" dirty="0">
                 <a:ln w="0"/>
                 <a:solidFill>
                   <a:schemeClr val="accent1"/>
@@ -6585,74 +6423,7 @@
                 <a:ea typeface="MS Mincho"/>
                 <a:cs typeface="Times New Roman" panose="02020603050405020304" pitchFamily="18" charset="0"/>
               </a:rPr>
-              <a:t>Server Side			: ASP.NET</a:t>
-            </a:r>
-            <a:r>
-              <a:rPr lang="pt-PT" sz="2400" dirty="0">
-                <a:ln w="0"/>
-                <a:solidFill>
-                  <a:schemeClr val="accent1"/>
-                </a:solidFill>
-                <a:effectLst>
-                  <a:outerShdw blurRad="38100" dist="25400" dir="5400000" algn="ctr" rotWithShape="0">
-                    <a:srgbClr val="6E747A">
-                      <a:alpha val="43000"/>
-                    </a:srgbClr>
-                  </a:outerShdw>
-                </a:effectLst>
-                <a:latin typeface="Calibri" panose="020F0502020204030204" pitchFamily="34" charset="0"/>
-                <a:ea typeface="MS Mincho"/>
-                <a:cs typeface="Times New Roman" panose="02020603050405020304" pitchFamily="18" charset="0"/>
-              </a:rPr>
-              <a:t>, C#.</a:t>
-            </a:r>
-          </a:p>
-          <a:p>
-            <a:pPr algn="just">
-              <a:lnSpc>
-                <a:spcPct val="150000"/>
-              </a:lnSpc>
-              <a:spcAft>
-                <a:spcPts val="0"/>
-              </a:spcAft>
-            </a:pPr>
-            <a:r>
-              <a:rPr lang="en-US" sz="2400" dirty="0" smtClean="0">
-                <a:ln w="0"/>
-                <a:solidFill>
-                  <a:schemeClr val="accent1"/>
-                </a:solidFill>
-                <a:effectLst>
-                  <a:outerShdw blurRad="38100" dist="25400" dir="5400000" algn="ctr" rotWithShape="0">
-                    <a:srgbClr val="6E747A">
-                      <a:alpha val="43000"/>
-                    </a:srgbClr>
-                  </a:outerShdw>
-                </a:effectLst>
-                <a:latin typeface="Calibri" panose="020F0502020204030204" pitchFamily="34" charset="0"/>
-                <a:ea typeface="MS Mincho"/>
-                <a:cs typeface="Times New Roman" panose="02020603050405020304" pitchFamily="18" charset="0"/>
-              </a:rPr>
-              <a:t>- Client Side			: HTML </a:t>
-            </a:r>
-            <a:r>
-              <a:rPr lang="en-US" sz="2400" dirty="0">
-                <a:ln w="0"/>
-                <a:solidFill>
-                  <a:schemeClr val="accent1"/>
-                </a:solidFill>
-                <a:effectLst>
-                  <a:outerShdw blurRad="38100" dist="25400" dir="5400000" algn="ctr" rotWithShape="0">
-                    <a:srgbClr val="6E747A">
-                      <a:alpha val="43000"/>
-                    </a:srgbClr>
-                  </a:outerShdw>
-                </a:effectLst>
-                <a:latin typeface="Calibri" panose="020F0502020204030204" pitchFamily="34" charset="0"/>
-                <a:ea typeface="MS Mincho"/>
-                <a:cs typeface="Times New Roman" panose="02020603050405020304" pitchFamily="18" charset="0"/>
-              </a:rPr>
-              <a:t>5, Javascript, jQuery, CSS 3, Bootstrap 4.</a:t>
+              <a:t>- Client Side			: HTML 5, Javascript, jQuery, CSS 3, Bootstrap 4.</a:t>
             </a:r>
             <a:endParaRPr lang="pt-PT" sz="2400" dirty="0">
               <a:ln w="0"/>
@@ -6697,64 +6468,7 @@
                 <a:ea typeface="MS Mincho"/>
                 <a:cs typeface="Times New Roman" panose="02020603050405020304" pitchFamily="18" charset="0"/>
               </a:rPr>
-              <a:t>- </a:t>
-            </a:r>
-            <a:r>
-              <a:rPr lang="en-US" sz="2400" dirty="0" smtClean="0">
-                <a:ln w="0"/>
-                <a:solidFill>
-                  <a:schemeClr val="accent1"/>
-                </a:solidFill>
-                <a:effectLst>
-                  <a:outerShdw blurRad="38100" dist="25400" dir="5400000" algn="ctr" rotWithShape="0">
-                    <a:srgbClr val="6E747A">
-                      <a:alpha val="43000"/>
-                    </a:srgbClr>
-                  </a:outerShdw>
-                </a:effectLst>
-                <a:latin typeface="Calibri" panose="020F0502020204030204" pitchFamily="34" charset="0"/>
-                <a:ea typeface="MS Mincho"/>
-                <a:cs typeface="Times New Roman" panose="02020603050405020304" pitchFamily="18" charset="0"/>
-              </a:rPr>
-              <a:t>Client Side Outros		: Font </a:t>
-            </a:r>
-            <a:r>
-              <a:rPr lang="en-US" sz="2400" dirty="0">
-                <a:ln w="0"/>
-                <a:solidFill>
-                  <a:schemeClr val="accent1"/>
-                </a:solidFill>
-                <a:effectLst>
-                  <a:outerShdw blurRad="38100" dist="25400" dir="5400000" algn="ctr" rotWithShape="0">
-                    <a:srgbClr val="6E747A">
-                      <a:alpha val="43000"/>
-                    </a:srgbClr>
-                  </a:outerShdw>
-                </a:effectLst>
-                <a:latin typeface="Calibri" panose="020F0502020204030204" pitchFamily="34" charset="0"/>
-                <a:ea typeface="MS Mincho"/>
-                <a:cs typeface="Times New Roman" panose="02020603050405020304" pitchFamily="18" charset="0"/>
-              </a:rPr>
-              <a:t>Awesome, Sweet </a:t>
-            </a:r>
-            <a:r>
-              <a:rPr lang="en-US" sz="2400" dirty="0" smtClean="0">
-                <a:ln w="0"/>
-                <a:solidFill>
-                  <a:schemeClr val="accent1"/>
-                </a:solidFill>
-                <a:effectLst>
-                  <a:outerShdw blurRad="38100" dist="25400" dir="5400000" algn="ctr" rotWithShape="0">
-                    <a:srgbClr val="6E747A">
-                      <a:alpha val="43000"/>
-                    </a:srgbClr>
-                  </a:outerShdw>
-                </a:effectLst>
-                <a:latin typeface="Calibri" panose="020F0502020204030204" pitchFamily="34" charset="0"/>
-                <a:ea typeface="MS Mincho"/>
-                <a:cs typeface="Times New Roman" panose="02020603050405020304" pitchFamily="18" charset="0"/>
-              </a:rPr>
-              <a:t>Alert, DataTables.</a:t>
+              <a:t>- Client Side Outros		: Font Awesome, Sweet Alert, DataTables.</a:t>
             </a:r>
             <a:endParaRPr lang="pt-PT" sz="2400" dirty="0">
               <a:ln w="0"/>
@@ -6783,7 +6497,7 @@
               </a:spcAft>
             </a:pPr>
             <a:r>
-              <a:rPr lang="en-US" sz="2400" dirty="0" smtClean="0">
+              <a:rPr lang="en-US" sz="2400" dirty="0">
                 <a:ln w="0"/>
                 <a:solidFill>
                   <a:schemeClr val="accent1"/>
@@ -6802,7 +6516,7 @@
               <a:t>- </a:t>
             </a:r>
             <a:r>
-              <a:rPr lang="pt-PT" sz="2400" dirty="0" smtClean="0">
+              <a:rPr lang="pt-PT" sz="2400" dirty="0">
                 <a:ln w="0"/>
                 <a:solidFill>
                   <a:schemeClr val="accent1"/>
@@ -6821,7 +6535,7 @@
               <a:t>Controlo</a:t>
             </a:r>
             <a:r>
-              <a:rPr lang="en-US" sz="2400" dirty="0" smtClean="0">
+              <a:rPr lang="en-US" sz="2400" dirty="0">
                 <a:ln w="0"/>
                 <a:solidFill>
                   <a:schemeClr val="accent1"/>
@@ -6837,10 +6551,10 @@
                 <a:ea typeface="MS Mincho"/>
                 <a:cs typeface="Times New Roman" panose="02020603050405020304" pitchFamily="18" charset="0"/>
               </a:rPr>
-              <a:t> </a:t>
-            </a:r>
-            <a:r>
-              <a:rPr lang="en-US" sz="2400" dirty="0">
+              <a:t> de </a:t>
+            </a:r>
+            <a:r>
+              <a:rPr lang="pt-PT" sz="2400" dirty="0">
                 <a:ln w="0"/>
                 <a:solidFill>
                   <a:schemeClr val="accent1"/>
@@ -6856,10 +6570,10 @@
                 <a:ea typeface="MS Mincho"/>
                 <a:cs typeface="Times New Roman" panose="02020603050405020304" pitchFamily="18" charset="0"/>
               </a:rPr>
-              <a:t>de </a:t>
-            </a:r>
-            <a:r>
-              <a:rPr lang="pt-PT" sz="2400" dirty="0" smtClean="0">
+              <a:t>Versões</a:t>
+            </a:r>
+            <a:r>
+              <a:rPr lang="en-US" sz="2400" dirty="0">
                 <a:ln w="0"/>
                 <a:solidFill>
                   <a:schemeClr val="accent1"/>
@@ -6875,83 +6589,7 @@
                 <a:ea typeface="MS Mincho"/>
                 <a:cs typeface="Times New Roman" panose="02020603050405020304" pitchFamily="18" charset="0"/>
               </a:rPr>
-              <a:t>Versões</a:t>
-            </a:r>
-            <a:r>
-              <a:rPr lang="en-US" sz="2400" dirty="0" smtClean="0">
-                <a:ln w="0"/>
-                <a:solidFill>
-                  <a:schemeClr val="accent1"/>
-                </a:solidFill>
-                <a:effectLst>
-                  <a:outerShdw blurRad="38100" dist="25400" dir="5400000" algn="ctr" rotWithShape="0">
-                    <a:srgbClr val="6E747A">
-                      <a:alpha val="43000"/>
-                    </a:srgbClr>
-                  </a:outerShdw>
-                </a:effectLst>
-                <a:latin typeface="Calibri" panose="020F0502020204030204" pitchFamily="34" charset="0"/>
-                <a:ea typeface="MS Mincho"/>
-                <a:cs typeface="Times New Roman" panose="02020603050405020304" pitchFamily="18" charset="0"/>
-              </a:rPr>
-              <a:t> </a:t>
-            </a:r>
-            <a:r>
-              <a:rPr lang="en-US" sz="2400" dirty="0">
-                <a:ln w="0"/>
-                <a:solidFill>
-                  <a:schemeClr val="accent1"/>
-                </a:solidFill>
-                <a:effectLst>
-                  <a:outerShdw blurRad="38100" dist="25400" dir="5400000" algn="ctr" rotWithShape="0">
-                    <a:srgbClr val="6E747A">
-                      <a:alpha val="43000"/>
-                    </a:srgbClr>
-                  </a:outerShdw>
-                </a:effectLst>
-                <a:latin typeface="Calibri" panose="020F0502020204030204" pitchFamily="34" charset="0"/>
-                <a:ea typeface="MS Mincho"/>
-                <a:cs typeface="Times New Roman" panose="02020603050405020304" pitchFamily="18" charset="0"/>
-              </a:rPr>
-              <a:t>	</a:t>
-            </a:r>
-            <a:r>
-              <a:rPr lang="en-US" sz="2400" dirty="0" smtClean="0">
-                <a:ln w="0"/>
-                <a:solidFill>
-                  <a:schemeClr val="accent1"/>
-                </a:solidFill>
-                <a:effectLst>
-                  <a:outerShdw blurRad="38100" dist="25400" dir="5400000" algn="ctr" rotWithShape="0">
-                    <a:srgbClr val="6E747A">
-                      <a:alpha val="43000"/>
-                    </a:srgbClr>
-                  </a:outerShdw>
-                </a:effectLst>
-                <a:latin typeface="Calibri" panose="020F0502020204030204" pitchFamily="34" charset="0"/>
-                <a:ea typeface="MS Mincho"/>
-                <a:cs typeface="Times New Roman" panose="02020603050405020304" pitchFamily="18" charset="0"/>
-              </a:rPr>
-              <a:t>	: Git</a:t>
-            </a:r>
-            <a:r>
-              <a:rPr lang="en-US" sz="2400" dirty="0">
-                <a:ln w="0"/>
-                <a:solidFill>
-                  <a:schemeClr val="accent1"/>
-                </a:solidFill>
-                <a:effectLst>
-                  <a:outerShdw blurRad="38100" dist="25400" dir="5400000" algn="ctr" rotWithShape="0">
-                    <a:srgbClr val="6E747A">
-                      <a:alpha val="43000"/>
-                    </a:srgbClr>
-                  </a:outerShdw>
-                </a:effectLst>
-                <a:latin typeface="Calibri" panose="020F0502020204030204" pitchFamily="34" charset="0"/>
-                <a:ea typeface="MS Mincho"/>
-                <a:cs typeface="Times New Roman" panose="02020603050405020304" pitchFamily="18" charset="0"/>
-              </a:rPr>
-              <a:t>.</a:t>
+              <a:t> 		: Git.</a:t>
             </a:r>
             <a:endParaRPr lang="pt-PT" sz="2400" dirty="0">
               <a:ln w="0"/>
@@ -6980,7 +6618,7 @@
               </a:spcAft>
             </a:pPr>
             <a:r>
-              <a:rPr lang="pt-PT" sz="2400" dirty="0" smtClean="0">
+              <a:rPr lang="pt-PT" sz="2400" dirty="0">
                 <a:ln w="0"/>
                 <a:solidFill>
                   <a:schemeClr val="accent1"/>
@@ -6996,26 +6634,7 @@
                 <a:ea typeface="MS Mincho"/>
                 <a:cs typeface="Times New Roman" panose="02020603050405020304" pitchFamily="18" charset="0"/>
               </a:rPr>
-              <a:t>- Gestão de Projeto 		: Gantt</a:t>
-            </a:r>
-            <a:r>
-              <a:rPr lang="pt-PT" sz="2400" dirty="0">
-                <a:ln w="0"/>
-                <a:solidFill>
-                  <a:schemeClr val="accent1"/>
-                </a:solidFill>
-                <a:effectLst>
-                  <a:outerShdw blurRad="38100" dist="25400" dir="5400000" algn="ctr" rotWithShape="0">
-                    <a:srgbClr val="6E747A">
-                      <a:alpha val="43000"/>
-                    </a:srgbClr>
-                  </a:outerShdw>
-                </a:effectLst>
-                <a:latin typeface="Calibri" panose="020F0502020204030204" pitchFamily="34" charset="0"/>
-                <a:ea typeface="MS Mincho"/>
-                <a:cs typeface="Times New Roman" panose="02020603050405020304" pitchFamily="18" charset="0"/>
-              </a:rPr>
-              <a:t>.</a:t>
+              <a:t>- Gestão de Projeto 		: Gantt.</a:t>
             </a:r>
           </a:p>
         </p:txBody>
@@ -7200,17 +6819,7 @@
                   </a:schemeClr>
                 </a:solidFill>
               </a:rPr>
-              <a:t>Projecto Final </a:t>
-            </a:r>
-            <a:r>
-              <a:rPr lang="en-US" sz="2000" dirty="0" smtClean="0">
-                <a:solidFill>
-                  <a:schemeClr val="accent1">
-                    <a:lumMod val="50000"/>
-                  </a:schemeClr>
-                </a:solidFill>
-              </a:rPr>
-              <a:t>SPAD</a:t>
+              <a:t>Projecto Final SPAD</a:t>
             </a:r>
             <a:endParaRPr lang="pt-PT" sz="2000" dirty="0">
               <a:solidFill>
@@ -7265,7 +6874,7 @@
           <a:p>
             <a:pPr algn="ctr"/>
             <a:r>
-              <a:rPr lang="pt-PT" sz="2400" dirty="0" smtClean="0">
+              <a:rPr lang="pt-PT" sz="2400" dirty="0">
                 <a:solidFill>
                   <a:schemeClr val="accent1">
                     <a:lumMod val="50000"/>
@@ -7274,13 +6883,6 @@
               </a:rPr>
               <a:t>Arquitetura n-tier</a:t>
             </a:r>
-            <a:endParaRPr lang="pt-PT" sz="2400" dirty="0">
-              <a:solidFill>
-                <a:schemeClr val="accent1">
-                  <a:lumMod val="50000"/>
-                </a:schemeClr>
-              </a:solidFill>
-            </a:endParaRPr>
           </a:p>
         </p:txBody>
       </p:sp>
@@ -7311,7 +6913,7 @@
               </a:lnSpc>
             </a:pPr>
             <a:r>
-              <a:rPr lang="pt-PT" sz="2000" dirty="0" smtClean="0">
+              <a:rPr lang="pt-PT" sz="2000" dirty="0">
                 <a:ln w="0"/>
                 <a:solidFill>
                   <a:schemeClr val="accent1"/>
@@ -7336,7 +6938,7 @@
                 <a:spcPct val="150000"/>
               </a:lnSpc>
             </a:pPr>
-            <a:endParaRPr lang="pt-PT" sz="2000" dirty="0" smtClean="0">
+            <a:endParaRPr lang="pt-PT" sz="2000" dirty="0">
               <a:ln w="0"/>
               <a:solidFill>
                 <a:schemeClr val="accent1"/>
@@ -7360,7 +6962,7 @@
               </a:lnSpc>
             </a:pPr>
             <a:r>
-              <a:rPr lang="pt-PT" sz="2000" dirty="0" smtClean="0">
+              <a:rPr lang="pt-PT" sz="2000" dirty="0">
                 <a:ln w="0"/>
                 <a:solidFill>
                   <a:schemeClr val="accent1"/>
@@ -7584,17 +7186,7 @@
                   </a:schemeClr>
                 </a:solidFill>
               </a:rPr>
-              <a:t>Projecto Final </a:t>
-            </a:r>
-            <a:r>
-              <a:rPr lang="en-US" sz="2000" dirty="0" smtClean="0">
-                <a:solidFill>
-                  <a:schemeClr val="accent1">
-                    <a:lumMod val="50000"/>
-                  </a:schemeClr>
-                </a:solidFill>
-              </a:rPr>
-              <a:t>SPAD</a:t>
+              <a:t>Projecto Final SPAD</a:t>
             </a:r>
             <a:endParaRPr lang="pt-PT" sz="2000" dirty="0">
               <a:solidFill>
@@ -7649,7 +7241,7 @@
           <a:p>
             <a:pPr algn="ctr"/>
             <a:r>
-              <a:rPr lang="pt-PT" sz="2400" dirty="0" smtClean="0">
+              <a:rPr lang="pt-PT" sz="2400" dirty="0">
                 <a:solidFill>
                   <a:schemeClr val="accent1">
                     <a:lumMod val="50000"/>
@@ -7658,13 +7250,6 @@
               </a:rPr>
               <a:t>Módulos</a:t>
             </a:r>
-            <a:endParaRPr lang="pt-PT" sz="2400" dirty="0">
-              <a:solidFill>
-                <a:schemeClr val="accent1">
-                  <a:lumMod val="50000"/>
-                </a:schemeClr>
-              </a:solidFill>
-            </a:endParaRPr>
           </a:p>
         </p:txBody>
       </p:sp>
@@ -7695,7 +7280,7 @@
               </a:lnSpc>
             </a:pPr>
             <a:r>
-              <a:rPr lang="pt-PT" dirty="0" smtClean="0">
+              <a:rPr lang="pt-PT" dirty="0">
                 <a:ln w="0"/>
                 <a:solidFill>
                   <a:schemeClr val="accent1"/>
@@ -7740,7 +7325,7 @@
               <a:t>	</a:t>
             </a:r>
             <a:r>
-              <a:rPr lang="pt-PT" sz="1200" dirty="0" smtClean="0">
+              <a:rPr lang="pt-PT" sz="1200" dirty="0">
                 <a:ln w="0"/>
                 <a:solidFill>
                   <a:schemeClr val="accent1"/>
@@ -7782,10 +7367,17 @@
                 <a:ea typeface="MS Mincho"/>
                 <a:cs typeface="Times New Roman" panose="02020603050405020304" pitchFamily="18" charset="0"/>
               </a:rPr>
-              <a:t>	</a:t>
-            </a:r>
-            <a:r>
-              <a:rPr lang="pt-PT" sz="1200" dirty="0" smtClean="0">
+              <a:t>	Business Logic Layer (BLL)</a:t>
+            </a:r>
+          </a:p>
+          <a:p>
+            <a:pPr>
+              <a:lnSpc>
+                <a:spcPct val="150000"/>
+              </a:lnSpc>
+            </a:pPr>
+            <a:r>
+              <a:rPr lang="pt-PT" sz="1200" dirty="0">
                 <a:ln w="0"/>
                 <a:solidFill>
                   <a:schemeClr val="accent1"/>
@@ -7801,7 +7393,7 @@
                 <a:ea typeface="MS Mincho"/>
                 <a:cs typeface="Times New Roman" panose="02020603050405020304" pitchFamily="18" charset="0"/>
               </a:rPr>
-              <a:t>Business Logic Layer (BLL)</a:t>
+              <a:t>	API Access Layer</a:t>
             </a:r>
           </a:p>
           <a:p>
@@ -7827,10 +7419,17 @@
                 <a:ea typeface="MS Mincho"/>
                 <a:cs typeface="Times New Roman" panose="02020603050405020304" pitchFamily="18" charset="0"/>
               </a:rPr>
-              <a:t>	</a:t>
-            </a:r>
-            <a:r>
-              <a:rPr lang="pt-PT" sz="1200" dirty="0" smtClean="0">
+              <a:t>	Web Services</a:t>
+            </a:r>
+          </a:p>
+          <a:p>
+            <a:pPr>
+              <a:lnSpc>
+                <a:spcPct val="150000"/>
+              </a:lnSpc>
+            </a:pPr>
+            <a:r>
+              <a:rPr lang="pt-PT" dirty="0">
                 <a:ln w="0"/>
                 <a:solidFill>
                   <a:schemeClr val="accent1"/>
@@ -7846,7 +7445,7 @@
                 <a:ea typeface="MS Mincho"/>
                 <a:cs typeface="Times New Roman" panose="02020603050405020304" pitchFamily="18" charset="0"/>
               </a:rPr>
-              <a:t>API Access Layer</a:t>
+              <a:t>Módulo Back Office - Responsável pela gestão do sistema SPAD.</a:t>
             </a:r>
           </a:p>
           <a:p>
@@ -7856,7 +7455,7 @@
               </a:lnSpc>
             </a:pPr>
             <a:r>
-              <a:rPr lang="pt-PT" sz="1200" dirty="0">
+              <a:rPr lang="pt-PT" sz="1600" dirty="0">
                 <a:ln w="0"/>
                 <a:solidFill>
                   <a:schemeClr val="accent1"/>
@@ -7875,7 +7474,7 @@
               <a:t>	</a:t>
             </a:r>
             <a:r>
-              <a:rPr lang="pt-PT" sz="1200" dirty="0" smtClean="0">
+              <a:rPr lang="pt-PT" sz="1200" dirty="0">
                 <a:ln w="0"/>
                 <a:solidFill>
                   <a:schemeClr val="accent1"/>
@@ -7891,7 +7490,7 @@
                 <a:ea typeface="MS Mincho"/>
                 <a:cs typeface="Times New Roman" panose="02020603050405020304" pitchFamily="18" charset="0"/>
               </a:rPr>
-              <a:t>Web Services</a:t>
+              <a:t>Gerir utilizadores.</a:t>
             </a:r>
           </a:p>
           <a:p>
@@ -7901,7 +7500,7 @@
               </a:lnSpc>
             </a:pPr>
             <a:r>
-              <a:rPr lang="pt-PT" dirty="0" smtClean="0">
+              <a:rPr lang="pt-PT" sz="1200" dirty="0">
                 <a:ln w="0"/>
                 <a:solidFill>
                   <a:schemeClr val="accent1"/>
@@ -7917,7 +7516,7 @@
                 <a:ea typeface="MS Mincho"/>
                 <a:cs typeface="Times New Roman" panose="02020603050405020304" pitchFamily="18" charset="0"/>
               </a:rPr>
-              <a:t>Módulo Back Office - Responsável pela gestão do sistema SPAD.</a:t>
+              <a:t>	Sincronização de dados entre a API e a Base de Dados.</a:t>
             </a:r>
           </a:p>
           <a:p>
@@ -7927,7 +7526,7 @@
               </a:lnSpc>
             </a:pPr>
             <a:r>
-              <a:rPr lang="pt-PT" sz="1600" dirty="0">
+              <a:rPr lang="pt-PT" sz="1200" dirty="0">
                 <a:ln w="0"/>
                 <a:solidFill>
                   <a:schemeClr val="accent1"/>
@@ -7943,10 +7542,17 @@
                 <a:ea typeface="MS Mincho"/>
                 <a:cs typeface="Times New Roman" panose="02020603050405020304" pitchFamily="18" charset="0"/>
               </a:rPr>
-              <a:t>	</a:t>
-            </a:r>
-            <a:r>
-              <a:rPr lang="pt-PT" sz="1200" dirty="0" smtClean="0">
+              <a:t>	Gerar prognósticos para os próximos eventos de futebol.</a:t>
+            </a:r>
+          </a:p>
+          <a:p>
+            <a:pPr>
+              <a:lnSpc>
+                <a:spcPct val="150000"/>
+              </a:lnSpc>
+            </a:pPr>
+            <a:r>
+              <a:rPr lang="pt-PT" sz="1200" dirty="0">
                 <a:ln w="0"/>
                 <a:solidFill>
                   <a:schemeClr val="accent1"/>
@@ -7962,10 +7568,17 @@
                 <a:ea typeface="MS Mincho"/>
                 <a:cs typeface="Times New Roman" panose="02020603050405020304" pitchFamily="18" charset="0"/>
               </a:rPr>
-              <a:t>Gerir </a:t>
-            </a:r>
-            <a:r>
-              <a:rPr lang="pt-PT" sz="1200" dirty="0">
+              <a:t>	Enviar Newsletters.</a:t>
+            </a:r>
+          </a:p>
+          <a:p>
+            <a:pPr>
+              <a:lnSpc>
+                <a:spcPct val="150000"/>
+              </a:lnSpc>
+            </a:pPr>
+            <a:r>
+              <a:rPr lang="pt-PT" dirty="0">
                 <a:ln w="0"/>
                 <a:solidFill>
                   <a:schemeClr val="accent1"/>
@@ -7981,11 +7594,11 @@
                 <a:ea typeface="MS Mincho"/>
                 <a:cs typeface="Times New Roman" panose="02020603050405020304" pitchFamily="18" charset="0"/>
               </a:rPr>
-              <a:t>utilizadores.</a:t>
-            </a:r>
-          </a:p>
-          <a:p>
-            <a:pPr>
+              <a:t>Módulo Front Office – Responsável pela interface do projeto SPAD</a:t>
+            </a:r>
+          </a:p>
+          <a:p>
+            <a:pPr lvl="2">
               <a:lnSpc>
                 <a:spcPct val="150000"/>
               </a:lnSpc>
@@ -8007,278 +7620,6 @@
                 <a:ea typeface="MS Mincho"/>
                 <a:cs typeface="Times New Roman" panose="02020603050405020304" pitchFamily="18" charset="0"/>
               </a:rPr>
-              <a:t>	</a:t>
-            </a:r>
-            <a:r>
-              <a:rPr lang="pt-PT" sz="1200" dirty="0" smtClean="0">
-                <a:ln w="0"/>
-                <a:solidFill>
-                  <a:schemeClr val="accent1"/>
-                </a:solidFill>
-                <a:effectLst>
-                  <a:outerShdw blurRad="38100" dist="25400" dir="5400000" algn="ctr" rotWithShape="0">
-                    <a:srgbClr val="6E747A">
-                      <a:alpha val="43000"/>
-                    </a:srgbClr>
-                  </a:outerShdw>
-                </a:effectLst>
-                <a:latin typeface="Calibri" panose="020F0502020204030204" pitchFamily="34" charset="0"/>
-                <a:ea typeface="MS Mincho"/>
-                <a:cs typeface="Times New Roman" panose="02020603050405020304" pitchFamily="18" charset="0"/>
-              </a:rPr>
-              <a:t>Sincronização </a:t>
-            </a:r>
-            <a:r>
-              <a:rPr lang="pt-PT" sz="1200" dirty="0">
-                <a:ln w="0"/>
-                <a:solidFill>
-                  <a:schemeClr val="accent1"/>
-                </a:solidFill>
-                <a:effectLst>
-                  <a:outerShdw blurRad="38100" dist="25400" dir="5400000" algn="ctr" rotWithShape="0">
-                    <a:srgbClr val="6E747A">
-                      <a:alpha val="43000"/>
-                    </a:srgbClr>
-                  </a:outerShdw>
-                </a:effectLst>
-                <a:latin typeface="Calibri" panose="020F0502020204030204" pitchFamily="34" charset="0"/>
-                <a:ea typeface="MS Mincho"/>
-                <a:cs typeface="Times New Roman" panose="02020603050405020304" pitchFamily="18" charset="0"/>
-              </a:rPr>
-              <a:t>de dados entre a API e a Base de Dados.</a:t>
-            </a:r>
-          </a:p>
-          <a:p>
-            <a:pPr>
-              <a:lnSpc>
-                <a:spcPct val="150000"/>
-              </a:lnSpc>
-            </a:pPr>
-            <a:r>
-              <a:rPr lang="pt-PT" sz="1200" dirty="0">
-                <a:ln w="0"/>
-                <a:solidFill>
-                  <a:schemeClr val="accent1"/>
-                </a:solidFill>
-                <a:effectLst>
-                  <a:outerShdw blurRad="38100" dist="25400" dir="5400000" algn="ctr" rotWithShape="0">
-                    <a:srgbClr val="6E747A">
-                      <a:alpha val="43000"/>
-                    </a:srgbClr>
-                  </a:outerShdw>
-                </a:effectLst>
-                <a:latin typeface="Calibri" panose="020F0502020204030204" pitchFamily="34" charset="0"/>
-                <a:ea typeface="MS Mincho"/>
-                <a:cs typeface="Times New Roman" panose="02020603050405020304" pitchFamily="18" charset="0"/>
-              </a:rPr>
-              <a:t>	</a:t>
-            </a:r>
-            <a:r>
-              <a:rPr lang="pt-PT" sz="1200" dirty="0" smtClean="0">
-                <a:ln w="0"/>
-                <a:solidFill>
-                  <a:schemeClr val="accent1"/>
-                </a:solidFill>
-                <a:effectLst>
-                  <a:outerShdw blurRad="38100" dist="25400" dir="5400000" algn="ctr" rotWithShape="0">
-                    <a:srgbClr val="6E747A">
-                      <a:alpha val="43000"/>
-                    </a:srgbClr>
-                  </a:outerShdw>
-                </a:effectLst>
-                <a:latin typeface="Calibri" panose="020F0502020204030204" pitchFamily="34" charset="0"/>
-                <a:ea typeface="MS Mincho"/>
-                <a:cs typeface="Times New Roman" panose="02020603050405020304" pitchFamily="18" charset="0"/>
-              </a:rPr>
-              <a:t>Gerar </a:t>
-            </a:r>
-            <a:r>
-              <a:rPr lang="pt-PT" sz="1200" dirty="0">
-                <a:ln w="0"/>
-                <a:solidFill>
-                  <a:schemeClr val="accent1"/>
-                </a:solidFill>
-                <a:effectLst>
-                  <a:outerShdw blurRad="38100" dist="25400" dir="5400000" algn="ctr" rotWithShape="0">
-                    <a:srgbClr val="6E747A">
-                      <a:alpha val="43000"/>
-                    </a:srgbClr>
-                  </a:outerShdw>
-                </a:effectLst>
-                <a:latin typeface="Calibri" panose="020F0502020204030204" pitchFamily="34" charset="0"/>
-                <a:ea typeface="MS Mincho"/>
-                <a:cs typeface="Times New Roman" panose="02020603050405020304" pitchFamily="18" charset="0"/>
-              </a:rPr>
-              <a:t>prognósticos para os próximos eventos de futebol.</a:t>
-            </a:r>
-          </a:p>
-          <a:p>
-            <a:pPr>
-              <a:lnSpc>
-                <a:spcPct val="150000"/>
-              </a:lnSpc>
-            </a:pPr>
-            <a:r>
-              <a:rPr lang="pt-PT" sz="1200" dirty="0">
-                <a:ln w="0"/>
-                <a:solidFill>
-                  <a:schemeClr val="accent1"/>
-                </a:solidFill>
-                <a:effectLst>
-                  <a:outerShdw blurRad="38100" dist="25400" dir="5400000" algn="ctr" rotWithShape="0">
-                    <a:srgbClr val="6E747A">
-                      <a:alpha val="43000"/>
-                    </a:srgbClr>
-                  </a:outerShdw>
-                </a:effectLst>
-                <a:latin typeface="Calibri" panose="020F0502020204030204" pitchFamily="34" charset="0"/>
-                <a:ea typeface="MS Mincho"/>
-                <a:cs typeface="Times New Roman" panose="02020603050405020304" pitchFamily="18" charset="0"/>
-              </a:rPr>
-              <a:t>	Enviar Newsletters</a:t>
-            </a:r>
-            <a:r>
-              <a:rPr lang="pt-PT" sz="1200" dirty="0" smtClean="0">
-                <a:ln w="0"/>
-                <a:solidFill>
-                  <a:schemeClr val="accent1"/>
-                </a:solidFill>
-                <a:effectLst>
-                  <a:outerShdw blurRad="38100" dist="25400" dir="5400000" algn="ctr" rotWithShape="0">
-                    <a:srgbClr val="6E747A">
-                      <a:alpha val="43000"/>
-                    </a:srgbClr>
-                  </a:outerShdw>
-                </a:effectLst>
-                <a:latin typeface="Calibri" panose="020F0502020204030204" pitchFamily="34" charset="0"/>
-                <a:ea typeface="MS Mincho"/>
-                <a:cs typeface="Times New Roman" panose="02020603050405020304" pitchFamily="18" charset="0"/>
-              </a:rPr>
-              <a:t>.</a:t>
-            </a:r>
-          </a:p>
-          <a:p>
-            <a:pPr>
-              <a:lnSpc>
-                <a:spcPct val="150000"/>
-              </a:lnSpc>
-            </a:pPr>
-            <a:r>
-              <a:rPr lang="pt-PT" dirty="0">
-                <a:ln w="0"/>
-                <a:solidFill>
-                  <a:schemeClr val="accent1"/>
-                </a:solidFill>
-                <a:effectLst>
-                  <a:outerShdw blurRad="38100" dist="25400" dir="5400000" algn="ctr" rotWithShape="0">
-                    <a:srgbClr val="6E747A">
-                      <a:alpha val="43000"/>
-                    </a:srgbClr>
-                  </a:outerShdw>
-                </a:effectLst>
-                <a:latin typeface="Calibri" panose="020F0502020204030204" pitchFamily="34" charset="0"/>
-                <a:ea typeface="MS Mincho"/>
-                <a:cs typeface="Times New Roman" panose="02020603050405020304" pitchFamily="18" charset="0"/>
-              </a:rPr>
-              <a:t>Módulo </a:t>
-            </a:r>
-            <a:r>
-              <a:rPr lang="pt-PT" dirty="0" smtClean="0">
-                <a:ln w="0"/>
-                <a:solidFill>
-                  <a:schemeClr val="accent1"/>
-                </a:solidFill>
-                <a:effectLst>
-                  <a:outerShdw blurRad="38100" dist="25400" dir="5400000" algn="ctr" rotWithShape="0">
-                    <a:srgbClr val="6E747A">
-                      <a:alpha val="43000"/>
-                    </a:srgbClr>
-                  </a:outerShdw>
-                </a:effectLst>
-                <a:latin typeface="Calibri" panose="020F0502020204030204" pitchFamily="34" charset="0"/>
-                <a:ea typeface="MS Mincho"/>
-                <a:cs typeface="Times New Roman" panose="02020603050405020304" pitchFamily="18" charset="0"/>
-              </a:rPr>
-              <a:t>Front </a:t>
-            </a:r>
-            <a:r>
-              <a:rPr lang="pt-PT" dirty="0">
-                <a:ln w="0"/>
-                <a:solidFill>
-                  <a:schemeClr val="accent1"/>
-                </a:solidFill>
-                <a:effectLst>
-                  <a:outerShdw blurRad="38100" dist="25400" dir="5400000" algn="ctr" rotWithShape="0">
-                    <a:srgbClr val="6E747A">
-                      <a:alpha val="43000"/>
-                    </a:srgbClr>
-                  </a:outerShdw>
-                </a:effectLst>
-                <a:latin typeface="Calibri" panose="020F0502020204030204" pitchFamily="34" charset="0"/>
-                <a:ea typeface="MS Mincho"/>
-                <a:cs typeface="Times New Roman" panose="02020603050405020304" pitchFamily="18" charset="0"/>
-              </a:rPr>
-              <a:t>Office </a:t>
-            </a:r>
-            <a:r>
-              <a:rPr lang="pt-PT" dirty="0" smtClean="0">
-                <a:ln w="0"/>
-                <a:solidFill>
-                  <a:schemeClr val="accent1"/>
-                </a:solidFill>
-                <a:effectLst>
-                  <a:outerShdw blurRad="38100" dist="25400" dir="5400000" algn="ctr" rotWithShape="0">
-                    <a:srgbClr val="6E747A">
-                      <a:alpha val="43000"/>
-                    </a:srgbClr>
-                  </a:outerShdw>
-                </a:effectLst>
-                <a:latin typeface="Calibri" panose="020F0502020204030204" pitchFamily="34" charset="0"/>
-                <a:ea typeface="MS Mincho"/>
-                <a:cs typeface="Times New Roman" panose="02020603050405020304" pitchFamily="18" charset="0"/>
-              </a:rPr>
-              <a:t>– Responsável pela interface do projeto SPAD</a:t>
-            </a:r>
-            <a:endParaRPr lang="pt-PT" dirty="0">
-              <a:ln w="0"/>
-              <a:solidFill>
-                <a:schemeClr val="accent1"/>
-              </a:solidFill>
-              <a:effectLst>
-                <a:outerShdw blurRad="38100" dist="25400" dir="5400000" algn="ctr" rotWithShape="0">
-                  <a:srgbClr val="6E747A">
-                    <a:alpha val="43000"/>
-                  </a:srgbClr>
-                </a:outerShdw>
-              </a:effectLst>
-              <a:latin typeface="Calibri" panose="020F0502020204030204" pitchFamily="34" charset="0"/>
-              <a:ea typeface="MS Mincho"/>
-              <a:cs typeface="Times New Roman" panose="02020603050405020304" pitchFamily="18" charset="0"/>
-            </a:endParaRPr>
-          </a:p>
-          <a:p>
-            <a:pPr lvl="2">
-              <a:lnSpc>
-                <a:spcPct val="150000"/>
-              </a:lnSpc>
-            </a:pPr>
-            <a:r>
-              <a:rPr lang="pt-PT" sz="1200" dirty="0">
-                <a:ln w="0"/>
-                <a:solidFill>
-                  <a:schemeClr val="accent1"/>
-                </a:solidFill>
-                <a:effectLst>
-                  <a:outerShdw blurRad="38100" dist="25400" dir="5400000" algn="ctr" rotWithShape="0">
-                    <a:srgbClr val="6E747A">
-                      <a:alpha val="43000"/>
-                    </a:srgbClr>
-                  </a:outerShdw>
-                </a:effectLst>
-                <a:latin typeface="Calibri" panose="020F0502020204030204" pitchFamily="34" charset="0"/>
-                <a:ea typeface="MS Mincho"/>
-                <a:cs typeface="Times New Roman" panose="02020603050405020304" pitchFamily="18" charset="0"/>
-              </a:rPr>
               <a:t>A responsabilidade desta Web Application é permitir a consulta de prognósticos de eventos desportivos de futebol de forma rápida, simples e eficiente, a partir de qualquer lugar através da internet, e de ser capaz de se adaptar à dimensão de qualquer dispositivo, garantido uma experiência de utilização sempre fluida.</a:t>
             </a:r>
           </a:p>
@@ -8288,6 +7629,289 @@
     <p:extLst>
       <p:ext uri="{BB962C8B-B14F-4D97-AF65-F5344CB8AC3E}">
         <p14:creationId xmlns:p14="http://schemas.microsoft.com/office/powerpoint/2010/main" val="2530446131"/>
+      </p:ext>
+    </p:extLst>
+  </p:cSld>
+  <p:clrMapOvr>
+    <a:masterClrMapping/>
+  </p:clrMapOvr>
+</p:sld>
+</file>
+
+<file path=ppt/slides/slide9.xml><?xml version="1.0" encoding="utf-8"?>
+<p:sld xmlns:a="http://schemas.openxmlformats.org/drawingml/2006/main" xmlns:r="http://schemas.openxmlformats.org/officeDocument/2006/relationships" xmlns:p="http://schemas.openxmlformats.org/presentationml/2006/main">
+  <p:cSld>
+    <p:spTree>
+      <p:nvGrpSpPr>
+        <p:cNvPr id="1" name=""/>
+        <p:cNvGrpSpPr/>
+        <p:nvPr/>
+      </p:nvGrpSpPr>
+      <p:grpSpPr>
+        <a:xfrm>
+          <a:off x="0" y="0"/>
+          <a:ext cx="0" cy="0"/>
+          <a:chOff x="0" y="0"/>
+          <a:chExt cx="0" cy="0"/>
+        </a:xfrm>
+      </p:grpSpPr>
+      <p:pic>
+        <p:nvPicPr>
+          <p:cNvPr id="5" name="Imagem 4">
+            <a:extLst>
+              <a:ext uri="{FF2B5EF4-FFF2-40B4-BE49-F238E27FC236}">
+                <a16:creationId xmlns:a16="http://schemas.microsoft.com/office/drawing/2014/main" id="{003B6523-7228-4E24-BF75-D68FF276CDDE}"/>
+              </a:ext>
+            </a:extLst>
+          </p:cNvPr>
+          <p:cNvPicPr>
+            <a:picLocks noChangeAspect="1"/>
+          </p:cNvPicPr>
+          <p:nvPr/>
+        </p:nvPicPr>
+        <p:blipFill>
+          <a:blip r:embed="rId2" cstate="hqprint">
+            <a:extLst>
+              <a:ext uri="{28A0092B-C50C-407E-A947-70E740481C1C}">
+                <a14:useLocalDpi xmlns:a14="http://schemas.microsoft.com/office/drawing/2010/main" val="0"/>
+              </a:ext>
+            </a:extLst>
+          </a:blip>
+          <a:stretch>
+            <a:fillRect/>
+          </a:stretch>
+        </p:blipFill>
+        <p:spPr>
+          <a:xfrm>
+            <a:off x="143711" y="117141"/>
+            <a:ext cx="2530772" cy="882369"/>
+          </a:xfrm>
+          <a:prstGeom prst="rect">
+            <a:avLst/>
+          </a:prstGeom>
+        </p:spPr>
+      </p:pic>
+      <p:sp>
+        <p:nvSpPr>
+          <p:cNvPr id="6" name="CaixaDeTexto 5">
+            <a:extLst>
+              <a:ext uri="{FF2B5EF4-FFF2-40B4-BE49-F238E27FC236}">
+                <a16:creationId xmlns:a16="http://schemas.microsoft.com/office/drawing/2014/main" id="{0D8912D2-B081-46A3-B4A0-334D4495E6F0}"/>
+              </a:ext>
+            </a:extLst>
+          </p:cNvPr>
+          <p:cNvSpPr txBox="1"/>
+          <p:nvPr/>
+        </p:nvSpPr>
+        <p:spPr>
+          <a:xfrm>
+            <a:off x="0" y="6457890"/>
+            <a:ext cx="4717638" cy="400110"/>
+          </a:xfrm>
+          <a:prstGeom prst="rect">
+            <a:avLst/>
+          </a:prstGeom>
+          <a:noFill/>
+        </p:spPr>
+        <p:txBody>
+          <a:bodyPr wrap="none" rtlCol="0">
+            <a:spAutoFit/>
+          </a:bodyPr>
+          <a:lstStyle/>
+          <a:p>
+            <a:r>
+              <a:rPr lang="en-US" sz="2000" dirty="0">
+                <a:solidFill>
+                  <a:schemeClr val="accent1">
+                    <a:lumMod val="50000"/>
+                  </a:schemeClr>
+                </a:solidFill>
+              </a:rPr>
+              <a:t>TPSIP_10.17 </a:t>
+            </a:r>
+            <a:r>
+              <a:rPr lang="en-US" sz="1400" dirty="0">
+                <a:solidFill>
+                  <a:schemeClr val="accent1">
+                    <a:lumMod val="50000"/>
+                  </a:schemeClr>
+                </a:solidFill>
+              </a:rPr>
+              <a:t>-</a:t>
+            </a:r>
+            <a:r>
+              <a:rPr lang="en-US" dirty="0">
+                <a:solidFill>
+                  <a:schemeClr val="accent1">
+                    <a:lumMod val="50000"/>
+                  </a:schemeClr>
+                </a:solidFill>
+              </a:rPr>
+              <a:t> </a:t>
+            </a:r>
+            <a:r>
+              <a:rPr lang="en-US" sz="1400" dirty="0">
+                <a:solidFill>
+                  <a:schemeClr val="accent1">
+                    <a:lumMod val="50000"/>
+                  </a:schemeClr>
+                </a:solidFill>
+              </a:rPr>
+              <a:t>Bruno Ferreira, João Santos e Luís Passeira</a:t>
+            </a:r>
+            <a:endParaRPr lang="pt-PT" sz="1400" dirty="0">
+              <a:solidFill>
+                <a:schemeClr val="accent1">
+                  <a:lumMod val="50000"/>
+                </a:schemeClr>
+              </a:solidFill>
+            </a:endParaRPr>
+          </a:p>
+        </p:txBody>
+      </p:sp>
+      <p:sp>
+        <p:nvSpPr>
+          <p:cNvPr id="7" name="CaixaDeTexto 6">
+            <a:extLst>
+              <a:ext uri="{FF2B5EF4-FFF2-40B4-BE49-F238E27FC236}">
+                <a16:creationId xmlns:a16="http://schemas.microsoft.com/office/drawing/2014/main" id="{8ED0A782-13C3-4B4B-B3A8-69DA23F1F64E}"/>
+              </a:ext>
+            </a:extLst>
+          </p:cNvPr>
+          <p:cNvSpPr txBox="1"/>
+          <p:nvPr/>
+        </p:nvSpPr>
+        <p:spPr>
+          <a:xfrm>
+            <a:off x="9988061" y="6457890"/>
+            <a:ext cx="2203939" cy="400110"/>
+          </a:xfrm>
+          <a:prstGeom prst="rect">
+            <a:avLst/>
+          </a:prstGeom>
+          <a:noFill/>
+        </p:spPr>
+        <p:txBody>
+          <a:bodyPr wrap="square" rtlCol="0">
+            <a:spAutoFit/>
+          </a:bodyPr>
+          <a:lstStyle/>
+          <a:p>
+            <a:r>
+              <a:rPr lang="en-US" sz="2000" dirty="0">
+                <a:solidFill>
+                  <a:schemeClr val="accent1">
+                    <a:lumMod val="50000"/>
+                  </a:schemeClr>
+                </a:solidFill>
+              </a:rPr>
+              <a:t>Projecto Final SPAD</a:t>
+            </a:r>
+            <a:endParaRPr lang="pt-PT" sz="2000" dirty="0">
+              <a:solidFill>
+                <a:schemeClr val="accent1">
+                  <a:lumMod val="50000"/>
+                </a:schemeClr>
+              </a:solidFill>
+            </a:endParaRPr>
+          </a:p>
+        </p:txBody>
+      </p:sp>
+      <p:sp>
+        <p:nvSpPr>
+          <p:cNvPr id="9" name="CaixaDeTexto 7">
+            <a:extLst>
+              <a:ext uri="{FF2B5EF4-FFF2-40B4-BE49-F238E27FC236}">
+                <a16:creationId xmlns:a16="http://schemas.microsoft.com/office/drawing/2014/main" id="{18BE4D7A-EDB0-4F0E-8A3F-3FBE1E77B25F}"/>
+              </a:ext>
+            </a:extLst>
+          </p:cNvPr>
+          <p:cNvSpPr txBox="1"/>
+          <p:nvPr/>
+        </p:nvSpPr>
+        <p:spPr>
+          <a:xfrm>
+            <a:off x="3073319" y="91449"/>
+            <a:ext cx="8974969" cy="461665"/>
+          </a:xfrm>
+          <a:prstGeom prst="rect">
+            <a:avLst/>
+          </a:prstGeom>
+        </p:spPr>
+        <p:style>
+          <a:lnRef idx="0">
+            <a:schemeClr val="accent4"/>
+          </a:lnRef>
+          <a:fillRef idx="3">
+            <a:schemeClr val="accent4"/>
+          </a:fillRef>
+          <a:effectRef idx="3">
+            <a:schemeClr val="accent4"/>
+          </a:effectRef>
+          <a:fontRef idx="minor">
+            <a:schemeClr val="lt1"/>
+          </a:fontRef>
+        </p:style>
+        <p:txBody>
+          <a:bodyPr wrap="square" rtlCol="0">
+            <a:spAutoFit/>
+          </a:bodyPr>
+          <a:lstStyle/>
+          <a:p>
+            <a:pPr algn="ctr"/>
+            <a:r>
+              <a:rPr lang="pt-PT" sz="2400" dirty="0">
+                <a:solidFill>
+                  <a:schemeClr val="accent1">
+                    <a:lumMod val="50000"/>
+                  </a:schemeClr>
+                </a:solidFill>
+              </a:rPr>
+              <a:t>Arquitetura Projeto</a:t>
+            </a:r>
+          </a:p>
+        </p:txBody>
+      </p:sp>
+      <p:pic>
+        <p:nvPicPr>
+          <p:cNvPr id="10" name="Imagem 9">
+            <a:extLst>
+              <a:ext uri="{FF2B5EF4-FFF2-40B4-BE49-F238E27FC236}">
+                <a16:creationId xmlns:a16="http://schemas.microsoft.com/office/drawing/2014/main" id="{E4BED66F-2CBC-4F84-A128-B7F714C56E58}"/>
+              </a:ext>
+            </a:extLst>
+          </p:cNvPr>
+          <p:cNvPicPr>
+            <a:picLocks noChangeAspect="1"/>
+          </p:cNvPicPr>
+          <p:nvPr/>
+        </p:nvPicPr>
+        <p:blipFill>
+          <a:blip r:embed="rId3">
+            <a:extLst>
+              <a:ext uri="{28A0092B-C50C-407E-A947-70E740481C1C}">
+                <a14:useLocalDpi xmlns:a14="http://schemas.microsoft.com/office/drawing/2010/main" val="0"/>
+              </a:ext>
+            </a:extLst>
+          </a:blip>
+          <a:stretch>
+            <a:fillRect/>
+          </a:stretch>
+        </p:blipFill>
+        <p:spPr>
+          <a:xfrm>
+            <a:off x="1950205" y="1296141"/>
+            <a:ext cx="8365647" cy="5007005"/>
+          </a:xfrm>
+          <a:prstGeom prst="rect">
+            <a:avLst/>
+          </a:prstGeom>
+        </p:spPr>
+      </p:pic>
+    </p:spTree>
+    <p:extLst>
+      <p:ext uri="{BB962C8B-B14F-4D97-AF65-F5344CB8AC3E}">
+        <p14:creationId xmlns:p14="http://schemas.microsoft.com/office/powerpoint/2010/main" val="891180930"/>
       </p:ext>
     </p:extLst>
   </p:cSld>
